--- a/TP4/TP4 – Simulacao de Sistemas.pptx
+++ b/TP4/TP4 – Simulacao de Sistemas.pptx
@@ -267,7 +267,7 @@
           <a:p>
             <a:fld id="{8C28A28C-4C6A-46EA-90C0-4EE0B89CC5C7}" type="datetimeFigureOut">
               <a:rPr lang="en-US" smtClean="0"/>
-              <a:t>6/21/2022</a:t>
+              <a:t>6/22/2022</a:t>
             </a:fld>
             <a:endParaRPr lang="en-US" dirty="0"/>
           </a:p>
@@ -465,7 +465,7 @@
           <a:p>
             <a:fld id="{8C28A28C-4C6A-46EA-90C0-4EE0B89CC5C7}" type="datetimeFigureOut">
               <a:rPr lang="en-US" smtClean="0"/>
-              <a:t>6/21/2022</a:t>
+              <a:t>6/22/2022</a:t>
             </a:fld>
             <a:endParaRPr lang="en-US"/>
           </a:p>
@@ -673,7 +673,7 @@
           <a:p>
             <a:fld id="{8C28A28C-4C6A-46EA-90C0-4EE0B89CC5C7}" type="datetimeFigureOut">
               <a:rPr lang="en-US" smtClean="0"/>
-              <a:t>6/21/2022</a:t>
+              <a:t>6/22/2022</a:t>
             </a:fld>
             <a:endParaRPr lang="en-US"/>
           </a:p>
@@ -871,7 +871,7 @@
           <a:p>
             <a:fld id="{8C28A28C-4C6A-46EA-90C0-4EE0B89CC5C7}" type="datetimeFigureOut">
               <a:rPr lang="en-US" smtClean="0"/>
-              <a:t>6/21/2022</a:t>
+              <a:t>6/22/2022</a:t>
             </a:fld>
             <a:endParaRPr lang="en-US"/>
           </a:p>
@@ -1148,7 +1148,7 @@
           <a:p>
             <a:fld id="{8C28A28C-4C6A-46EA-90C0-4EE0B89CC5C7}" type="datetimeFigureOut">
               <a:rPr lang="en-US" smtClean="0"/>
-              <a:t>6/21/2022</a:t>
+              <a:t>6/22/2022</a:t>
             </a:fld>
             <a:endParaRPr lang="en-US"/>
           </a:p>
@@ -1413,7 +1413,7 @@
           <a:p>
             <a:fld id="{8C28A28C-4C6A-46EA-90C0-4EE0B89CC5C7}" type="datetimeFigureOut">
               <a:rPr lang="en-US" smtClean="0"/>
-              <a:t>6/21/2022</a:t>
+              <a:t>6/22/2022</a:t>
             </a:fld>
             <a:endParaRPr lang="en-US"/>
           </a:p>
@@ -1825,7 +1825,7 @@
           <a:p>
             <a:fld id="{8C28A28C-4C6A-46EA-90C0-4EE0B89CC5C7}" type="datetimeFigureOut">
               <a:rPr lang="en-US" smtClean="0"/>
-              <a:t>6/21/2022</a:t>
+              <a:t>6/22/2022</a:t>
             </a:fld>
             <a:endParaRPr lang="en-US"/>
           </a:p>
@@ -1966,7 +1966,7 @@
           <a:p>
             <a:fld id="{8C28A28C-4C6A-46EA-90C0-4EE0B89CC5C7}" type="datetimeFigureOut">
               <a:rPr lang="en-US" smtClean="0"/>
-              <a:t>6/21/2022</a:t>
+              <a:t>6/22/2022</a:t>
             </a:fld>
             <a:endParaRPr lang="en-US"/>
           </a:p>
@@ -2079,7 +2079,7 @@
           <a:p>
             <a:fld id="{8C28A28C-4C6A-46EA-90C0-4EE0B89CC5C7}" type="datetimeFigureOut">
               <a:rPr lang="en-US" smtClean="0"/>
-              <a:t>6/21/2022</a:t>
+              <a:t>6/22/2022</a:t>
             </a:fld>
             <a:endParaRPr lang="en-US"/>
           </a:p>
@@ -2392,7 +2392,7 @@
           <a:p>
             <a:fld id="{8C28A28C-4C6A-46EA-90C0-4EE0B89CC5C7}" type="datetimeFigureOut">
               <a:rPr lang="en-US" smtClean="0"/>
-              <a:t>6/21/2022</a:t>
+              <a:t>6/22/2022</a:t>
             </a:fld>
             <a:endParaRPr lang="en-US"/>
           </a:p>
@@ -2680,7 +2680,7 @@
           <a:p>
             <a:fld id="{8C28A28C-4C6A-46EA-90C0-4EE0B89CC5C7}" type="datetimeFigureOut">
               <a:rPr lang="en-US" smtClean="0"/>
-              <a:t>6/21/2022</a:t>
+              <a:t>6/22/2022</a:t>
             </a:fld>
             <a:endParaRPr lang="en-US"/>
           </a:p>
@@ -3035,7 +3035,7 @@
             <a:fld id="{8C28A28C-4C6A-46EA-90C0-4EE0B89CC5C7}" type="datetimeFigureOut">
               <a:rPr lang="en-US" smtClean="0"/>
               <a:pPr/>
-              <a:t>6/21/2022</a:t>
+              <a:t>6/22/2022</a:t>
             </a:fld>
             <a:endParaRPr lang="en-US" dirty="0"/>
           </a:p>
@@ -3574,7 +3574,7 @@
                 <a:latin typeface="Times New Roman" panose="02020603050405020304" pitchFamily="18" charset="0"/>
                 <a:cs typeface="Times New Roman" panose="02020603050405020304" pitchFamily="18" charset="0"/>
               </a:rPr>
-              <a:t>Simulacão</a:t>
+              <a:t>Simulação</a:t>
             </a:r>
             <a:r>
               <a:rPr lang="en-US" sz="2400" dirty="0">
@@ -3782,8 +3782,8 @@
           <a:chExt cx="0" cy="0"/>
         </a:xfrm>
       </p:grpSpPr>
-      <mc:AlternateContent xmlns:mc="http://schemas.openxmlformats.org/markup-compatibility/2006">
-        <mc:Choice xmlns:a14="http://schemas.microsoft.com/office/drawing/2010/main" Requires="a14">
+      <mc:AlternateContent xmlns:mc="http://schemas.openxmlformats.org/markup-compatibility/2006" xmlns:a14="http://schemas.microsoft.com/office/drawing/2010/main">
+        <mc:Choice Requires="a14">
           <p:sp>
             <p:nvSpPr>
               <p:cNvPr id="10" name="TextBox 9">
@@ -3931,7 +3931,7 @@
             </p:txBody>
           </p:sp>
         </mc:Choice>
-        <mc:Fallback>
+        <mc:Fallback xmlns="">
           <p:sp>
             <p:nvSpPr>
               <p:cNvPr id="10" name="TextBox 9">
@@ -3976,8 +3976,8 @@
           </p:sp>
         </mc:Fallback>
       </mc:AlternateContent>
-      <mc:AlternateContent xmlns:mc="http://schemas.openxmlformats.org/markup-compatibility/2006">
-        <mc:Choice xmlns:a14="http://schemas.microsoft.com/office/drawing/2010/main" Requires="a14">
+      <mc:AlternateContent xmlns:mc="http://schemas.openxmlformats.org/markup-compatibility/2006" xmlns:a14="http://schemas.microsoft.com/office/drawing/2010/main">
+        <mc:Choice Requires="a14">
           <p:sp>
             <p:nvSpPr>
               <p:cNvPr id="12" name="TextBox 11">
@@ -4280,7 +4280,7 @@
             </p:txBody>
           </p:sp>
         </mc:Choice>
-        <mc:Fallback>
+        <mc:Fallback xmlns="">
           <p:sp>
             <p:nvSpPr>
               <p:cNvPr id="12" name="TextBox 11">
@@ -4325,8 +4325,8 @@
           </p:sp>
         </mc:Fallback>
       </mc:AlternateContent>
-      <mc:AlternateContent xmlns:mc="http://schemas.openxmlformats.org/markup-compatibility/2006">
-        <mc:Choice xmlns:a14="http://schemas.microsoft.com/office/drawing/2010/main" Requires="a14">
+      <mc:AlternateContent xmlns:mc="http://schemas.openxmlformats.org/markup-compatibility/2006" xmlns:a14="http://schemas.microsoft.com/office/drawing/2010/main">
+        <mc:Choice Requires="a14">
           <p:sp>
             <p:nvSpPr>
               <p:cNvPr id="14" name="TextBox 13">
@@ -4911,7 +4911,7 @@
             </p:txBody>
           </p:sp>
         </mc:Choice>
-        <mc:Fallback>
+        <mc:Fallback xmlns="">
           <p:sp>
             <p:nvSpPr>
               <p:cNvPr id="14" name="TextBox 13">
@@ -5087,19 +5087,6 @@
                           </m:ctrlPr>
                         </m:fPr>
                         <m:num>
-                          <m:r>
-                            <a:rPr lang="pt-PT" sz="1600" b="0" i="1" smtClean="0">
-                              <a:latin typeface="Cambria Math" panose="02040503050406030204" pitchFamily="18" charset="0"/>
-                            </a:rPr>
-                            <m:t>𝐾𝑀𝑅𝑉</m:t>
-                          </m:r>
-                          <m:r>
-                            <a:rPr lang="pt-PT" sz="1600" i="1" smtClean="0">
-                              <a:latin typeface="Cambria Math" panose="02040503050406030204" pitchFamily="18" charset="0"/>
-                              <a:ea typeface="Cambria Math" panose="02040503050406030204" pitchFamily="18" charset="0"/>
-                            </a:rPr>
-                            <m:t>∗</m:t>
-                          </m:r>
                           <m:r>
                             <a:rPr lang="pt-PT" sz="1600" b="0" i="1" smtClean="0">
                               <a:latin typeface="Cambria Math" panose="02040503050406030204" pitchFamily="18" charset="0"/>
@@ -5926,6 +5913,202 @@
               <a:rPr lang="pt-PT" sz="1600" dirty="0"/>
               <a:t>-zeros, e após dimensionamento do controlador PID, foi possível calcular a FTCA e de seguida a FTCF</a:t>
             </a:r>
+          </a:p>
+        </p:txBody>
+      </p:sp>
+      <p:sp>
+        <p:nvSpPr>
+          <p:cNvPr id="2" name="TextBox 1">
+            <a:extLst>
+              <a:ext uri="{FF2B5EF4-FFF2-40B4-BE49-F238E27FC236}">
+                <a16:creationId xmlns:a16="http://schemas.microsoft.com/office/drawing/2014/main" id="{720F5A22-8CF6-ACFF-666A-D8BF87F86FD1}"/>
+              </a:ext>
+            </a:extLst>
+          </p:cNvPr>
+          <p:cNvSpPr txBox="1"/>
+          <p:nvPr/>
+        </p:nvSpPr>
+        <p:spPr>
+          <a:xfrm>
+            <a:off x="657838" y="4853257"/>
+            <a:ext cx="3205429" cy="276999"/>
+          </a:xfrm>
+          <a:prstGeom prst="rect">
+            <a:avLst/>
+          </a:prstGeom>
+          <a:noFill/>
+        </p:spPr>
+        <p:txBody>
+          <a:bodyPr wrap="none" rtlCol="0">
+            <a:spAutoFit/>
+          </a:bodyPr>
+          <a:lstStyle/>
+          <a:p>
+            <a:r>
+              <a:rPr lang="en-US" sz="1200" dirty="0" err="1"/>
+              <a:t>Mapa</a:t>
+            </a:r>
+            <a:r>
+              <a:rPr lang="en-US" sz="1200" dirty="0"/>
+              <a:t> PZ </a:t>
+            </a:r>
+            <a:r>
+              <a:rPr lang="en-US" sz="1200" dirty="0" err="1"/>
+              <a:t>Função</a:t>
+            </a:r>
+            <a:r>
+              <a:rPr lang="en-US" sz="1200" dirty="0"/>
+              <a:t> de </a:t>
+            </a:r>
+            <a:r>
+              <a:rPr lang="en-US" sz="1200" dirty="0" err="1"/>
+              <a:t>Transferência</a:t>
+            </a:r>
+            <a:r>
+              <a:rPr lang="en-US" sz="1200" dirty="0"/>
+              <a:t> 3ª </a:t>
+            </a:r>
+            <a:r>
+              <a:rPr lang="en-US" sz="1200" dirty="0" err="1"/>
+              <a:t>ordem</a:t>
+            </a:r>
+            <a:endParaRPr lang="pt-PT" sz="1200" dirty="0"/>
+          </a:p>
+        </p:txBody>
+      </p:sp>
+      <p:sp>
+        <p:nvSpPr>
+          <p:cNvPr id="11" name="TextBox 10">
+            <a:extLst>
+              <a:ext uri="{FF2B5EF4-FFF2-40B4-BE49-F238E27FC236}">
+                <a16:creationId xmlns:a16="http://schemas.microsoft.com/office/drawing/2014/main" id="{359CEC83-BFAF-CE00-90E0-27A685DFC827}"/>
+              </a:ext>
+            </a:extLst>
+          </p:cNvPr>
+          <p:cNvSpPr txBox="1"/>
+          <p:nvPr/>
+        </p:nvSpPr>
+        <p:spPr>
+          <a:xfrm>
+            <a:off x="4351664" y="4869594"/>
+            <a:ext cx="3559885" cy="276999"/>
+          </a:xfrm>
+          <a:prstGeom prst="rect">
+            <a:avLst/>
+          </a:prstGeom>
+          <a:noFill/>
+        </p:spPr>
+        <p:txBody>
+          <a:bodyPr wrap="none" rtlCol="0">
+            <a:spAutoFit/>
+          </a:bodyPr>
+          <a:lstStyle/>
+          <a:p>
+            <a:r>
+              <a:rPr lang="en-US" sz="1200" dirty="0" err="1"/>
+              <a:t>Mapa</a:t>
+            </a:r>
+            <a:r>
+              <a:rPr lang="en-US" sz="1200" dirty="0"/>
+              <a:t> PZ </a:t>
+            </a:r>
+            <a:r>
+              <a:rPr lang="en-US" sz="1200" dirty="0" err="1"/>
+              <a:t>Função</a:t>
+            </a:r>
+            <a:r>
+              <a:rPr lang="en-US" sz="1200" dirty="0"/>
+              <a:t> de </a:t>
+            </a:r>
+            <a:r>
+              <a:rPr lang="en-US" sz="1200" dirty="0" err="1"/>
+              <a:t>Transferência</a:t>
+            </a:r>
+            <a:r>
+              <a:rPr lang="en-US" sz="1200" dirty="0"/>
+              <a:t> </a:t>
+            </a:r>
+            <a:r>
+              <a:rPr lang="en-US" sz="1200" dirty="0" err="1"/>
+              <a:t>Cadeia</a:t>
+            </a:r>
+            <a:r>
+              <a:rPr lang="en-US" sz="1200" dirty="0"/>
+              <a:t> </a:t>
+            </a:r>
+            <a:r>
+              <a:rPr lang="en-US" sz="1200" dirty="0" err="1"/>
+              <a:t>Aberta</a:t>
+            </a:r>
+            <a:endParaRPr lang="pt-PT" sz="1200" dirty="0"/>
+          </a:p>
+        </p:txBody>
+      </p:sp>
+      <p:sp>
+        <p:nvSpPr>
+          <p:cNvPr id="12" name="TextBox 11">
+            <a:extLst>
+              <a:ext uri="{FF2B5EF4-FFF2-40B4-BE49-F238E27FC236}">
+                <a16:creationId xmlns:a16="http://schemas.microsoft.com/office/drawing/2014/main" id="{868121DC-2BA8-FFDB-7D02-9215602BDF95}"/>
+              </a:ext>
+            </a:extLst>
+          </p:cNvPr>
+          <p:cNvSpPr txBox="1"/>
+          <p:nvPr/>
+        </p:nvSpPr>
+        <p:spPr>
+          <a:xfrm>
+            <a:off x="8121024" y="4869594"/>
+            <a:ext cx="3683765" cy="276999"/>
+          </a:xfrm>
+          <a:prstGeom prst="rect">
+            <a:avLst/>
+          </a:prstGeom>
+          <a:noFill/>
+        </p:spPr>
+        <p:txBody>
+          <a:bodyPr wrap="none" rtlCol="0">
+            <a:spAutoFit/>
+          </a:bodyPr>
+          <a:lstStyle/>
+          <a:p>
+            <a:r>
+              <a:rPr lang="en-US" sz="1200" dirty="0" err="1"/>
+              <a:t>Mapa</a:t>
+            </a:r>
+            <a:r>
+              <a:rPr lang="en-US" sz="1200" dirty="0"/>
+              <a:t> PZ </a:t>
+            </a:r>
+            <a:r>
+              <a:rPr lang="en-US" sz="1200" dirty="0" err="1"/>
+              <a:t>Função</a:t>
+            </a:r>
+            <a:r>
+              <a:rPr lang="en-US" sz="1200" dirty="0"/>
+              <a:t> de </a:t>
+            </a:r>
+            <a:r>
+              <a:rPr lang="en-US" sz="1200" dirty="0" err="1"/>
+              <a:t>Transferência</a:t>
+            </a:r>
+            <a:r>
+              <a:rPr lang="en-US" sz="1200" dirty="0"/>
+              <a:t> </a:t>
+            </a:r>
+            <a:r>
+              <a:rPr lang="en-US" sz="1200" dirty="0" err="1"/>
+              <a:t>Cadeia</a:t>
+            </a:r>
+            <a:r>
+              <a:rPr lang="en-US" sz="1200" dirty="0"/>
+              <a:t> </a:t>
+            </a:r>
+            <a:r>
+              <a:rPr lang="en-US" sz="1200" dirty="0" err="1"/>
+              <a:t>Fechada</a:t>
+            </a:r>
+            <a:endParaRPr lang="pt-PT" sz="1200" dirty="0"/>
           </a:p>
         </p:txBody>
       </p:sp>

--- a/TP4/TP4 – Simulacao de Sistemas.pptx
+++ b/TP4/TP4 – Simulacao de Sistemas.pptx
@@ -5023,8 +5023,8 @@
           </a:p>
         </p:txBody>
       </p:sp>
-      <mc:AlternateContent xmlns:mc="http://schemas.openxmlformats.org/markup-compatibility/2006">
-        <mc:Choice xmlns:a14="http://schemas.microsoft.com/office/drawing/2010/main" Requires="a14">
+      <mc:AlternateContent xmlns:mc="http://schemas.openxmlformats.org/markup-compatibility/2006" xmlns:a14="http://schemas.microsoft.com/office/drawing/2010/main">
+        <mc:Choice Requires="a14">
           <p:sp>
             <p:nvSpPr>
               <p:cNvPr id="16" name="TextBox 15">
@@ -5578,7 +5578,7 @@
             </p:txBody>
           </p:sp>
         </mc:Choice>
-        <mc:Fallback>
+        <mc:Fallback xmlns="">
           <p:sp>
             <p:nvSpPr>
               <p:cNvPr id="16" name="TextBox 15">
@@ -6632,6 +6632,326 @@
           </a:p>
         </p:txBody>
       </p:sp>
+      <p:sp>
+        <p:nvSpPr>
+          <p:cNvPr id="2" name="TextBox 1">
+            <a:extLst>
+              <a:ext uri="{FF2B5EF4-FFF2-40B4-BE49-F238E27FC236}">
+                <a16:creationId xmlns:a16="http://schemas.microsoft.com/office/drawing/2014/main" id="{DB877C6F-C23A-A63E-F1CC-CED92D57D89D}"/>
+              </a:ext>
+            </a:extLst>
+          </p:cNvPr>
+          <p:cNvSpPr txBox="1"/>
+          <p:nvPr/>
+        </p:nvSpPr>
+        <p:spPr>
+          <a:xfrm>
+            <a:off x="2641061" y="3151113"/>
+            <a:ext cx="768159" cy="246221"/>
+          </a:xfrm>
+          <a:prstGeom prst="rect">
+            <a:avLst/>
+          </a:prstGeom>
+          <a:noFill/>
+        </p:spPr>
+        <p:txBody>
+          <a:bodyPr wrap="none" rtlCol="0">
+            <a:spAutoFit/>
+          </a:bodyPr>
+          <a:lstStyle/>
+          <a:p>
+            <a:r>
+              <a:rPr lang="en-US" sz="1000" dirty="0"/>
+              <a:t>Tempo </a:t>
+            </a:r>
+            <a:r>
+              <a:rPr lang="pt-PT" sz="1000" dirty="0"/>
+              <a:t>(s)</a:t>
+            </a:r>
+            <a:endParaRPr lang="en-US" sz="1000" dirty="0"/>
+          </a:p>
+        </p:txBody>
+      </p:sp>
+      <p:sp>
+        <p:nvSpPr>
+          <p:cNvPr id="17" name="TextBox 16">
+            <a:extLst>
+              <a:ext uri="{FF2B5EF4-FFF2-40B4-BE49-F238E27FC236}">
+                <a16:creationId xmlns:a16="http://schemas.microsoft.com/office/drawing/2014/main" id="{83DCAD41-D78D-D12F-7B5E-BFB16667C218}"/>
+              </a:ext>
+            </a:extLst>
+          </p:cNvPr>
+          <p:cNvSpPr txBox="1"/>
+          <p:nvPr/>
+        </p:nvSpPr>
+        <p:spPr>
+          <a:xfrm>
+            <a:off x="2568420" y="6657503"/>
+            <a:ext cx="768159" cy="246221"/>
+          </a:xfrm>
+          <a:prstGeom prst="rect">
+            <a:avLst/>
+          </a:prstGeom>
+          <a:noFill/>
+        </p:spPr>
+        <p:txBody>
+          <a:bodyPr wrap="none" rtlCol="0">
+            <a:spAutoFit/>
+          </a:bodyPr>
+          <a:lstStyle/>
+          <a:p>
+            <a:r>
+              <a:rPr lang="en-US" sz="1000" dirty="0"/>
+              <a:t>Tempo </a:t>
+            </a:r>
+            <a:r>
+              <a:rPr lang="pt-PT" sz="1000" dirty="0"/>
+              <a:t>(s)</a:t>
+            </a:r>
+            <a:endParaRPr lang="en-US" sz="1000" dirty="0"/>
+          </a:p>
+        </p:txBody>
+      </p:sp>
+      <p:sp>
+        <p:nvSpPr>
+          <p:cNvPr id="18" name="TextBox 17">
+            <a:extLst>
+              <a:ext uri="{FF2B5EF4-FFF2-40B4-BE49-F238E27FC236}">
+                <a16:creationId xmlns:a16="http://schemas.microsoft.com/office/drawing/2014/main" id="{8F6092A8-C7FA-BCDE-068D-6160EE2E9712}"/>
+              </a:ext>
+            </a:extLst>
+          </p:cNvPr>
+          <p:cNvSpPr txBox="1"/>
+          <p:nvPr/>
+        </p:nvSpPr>
+        <p:spPr>
+          <a:xfrm>
+            <a:off x="8855421" y="3151113"/>
+            <a:ext cx="768159" cy="246221"/>
+          </a:xfrm>
+          <a:prstGeom prst="rect">
+            <a:avLst/>
+          </a:prstGeom>
+          <a:noFill/>
+        </p:spPr>
+        <p:txBody>
+          <a:bodyPr wrap="none" rtlCol="0">
+            <a:spAutoFit/>
+          </a:bodyPr>
+          <a:lstStyle/>
+          <a:p>
+            <a:r>
+              <a:rPr lang="en-US" sz="1000" dirty="0"/>
+              <a:t>Tempo </a:t>
+            </a:r>
+            <a:r>
+              <a:rPr lang="pt-PT" sz="1000" dirty="0"/>
+              <a:t>(s)</a:t>
+            </a:r>
+            <a:endParaRPr lang="en-US" sz="1000" dirty="0"/>
+          </a:p>
+        </p:txBody>
+      </p:sp>
+      <p:sp>
+        <p:nvSpPr>
+          <p:cNvPr id="19" name="TextBox 18">
+            <a:extLst>
+              <a:ext uri="{FF2B5EF4-FFF2-40B4-BE49-F238E27FC236}">
+                <a16:creationId xmlns:a16="http://schemas.microsoft.com/office/drawing/2014/main" id="{3941E8EF-D8D8-22BE-93F7-113C100E27E3}"/>
+              </a:ext>
+            </a:extLst>
+          </p:cNvPr>
+          <p:cNvSpPr txBox="1"/>
+          <p:nvPr/>
+        </p:nvSpPr>
+        <p:spPr>
+          <a:xfrm>
+            <a:off x="8855421" y="6611779"/>
+            <a:ext cx="768159" cy="246221"/>
+          </a:xfrm>
+          <a:prstGeom prst="rect">
+            <a:avLst/>
+          </a:prstGeom>
+          <a:noFill/>
+        </p:spPr>
+        <p:txBody>
+          <a:bodyPr wrap="none" rtlCol="0">
+            <a:spAutoFit/>
+          </a:bodyPr>
+          <a:lstStyle/>
+          <a:p>
+            <a:r>
+              <a:rPr lang="en-US" sz="1000" dirty="0"/>
+              <a:t>Tempo </a:t>
+            </a:r>
+            <a:r>
+              <a:rPr lang="pt-PT" sz="1000" dirty="0"/>
+              <a:t>(s)</a:t>
+            </a:r>
+            <a:endParaRPr lang="en-US" sz="1000" dirty="0"/>
+          </a:p>
+        </p:txBody>
+      </p:sp>
+      <p:sp>
+        <p:nvSpPr>
+          <p:cNvPr id="20" name="TextBox 19">
+            <a:extLst>
+              <a:ext uri="{FF2B5EF4-FFF2-40B4-BE49-F238E27FC236}">
+                <a16:creationId xmlns:a16="http://schemas.microsoft.com/office/drawing/2014/main" id="{290A244F-D4F3-4550-21D8-91202D5784FF}"/>
+              </a:ext>
+            </a:extLst>
+          </p:cNvPr>
+          <p:cNvSpPr txBox="1"/>
+          <p:nvPr/>
+        </p:nvSpPr>
+        <p:spPr>
+          <a:xfrm rot="16200000">
+            <a:off x="205414" y="1622666"/>
+            <a:ext cx="833172" cy="276999"/>
+          </a:xfrm>
+          <a:prstGeom prst="rect">
+            <a:avLst/>
+          </a:prstGeom>
+          <a:noFill/>
+        </p:spPr>
+        <p:txBody>
+          <a:bodyPr wrap="square" rtlCol="0">
+            <a:spAutoFit/>
+          </a:bodyPr>
+          <a:lstStyle/>
+          <a:p>
+            <a:r>
+              <a:rPr lang="en-US" sz="1200" dirty="0" err="1"/>
+              <a:t>Nível</a:t>
+            </a:r>
+            <a:r>
+              <a:rPr lang="en-US" sz="1200" dirty="0"/>
+              <a:t> (m)</a:t>
+            </a:r>
+            <a:endParaRPr lang="pt-PT" sz="1200" dirty="0"/>
+          </a:p>
+        </p:txBody>
+      </p:sp>
+      <p:sp>
+        <p:nvSpPr>
+          <p:cNvPr id="21" name="TextBox 20">
+            <a:extLst>
+              <a:ext uri="{FF2B5EF4-FFF2-40B4-BE49-F238E27FC236}">
+                <a16:creationId xmlns:a16="http://schemas.microsoft.com/office/drawing/2014/main" id="{F0E53009-B29C-0354-7B7B-3F9BC2860377}"/>
+              </a:ext>
+            </a:extLst>
+          </p:cNvPr>
+          <p:cNvSpPr txBox="1"/>
+          <p:nvPr/>
+        </p:nvSpPr>
+        <p:spPr>
+          <a:xfrm rot="16200000">
+            <a:off x="6527818" y="1622667"/>
+            <a:ext cx="833172" cy="276999"/>
+          </a:xfrm>
+          <a:prstGeom prst="rect">
+            <a:avLst/>
+          </a:prstGeom>
+          <a:noFill/>
+        </p:spPr>
+        <p:txBody>
+          <a:bodyPr wrap="square" rtlCol="0">
+            <a:spAutoFit/>
+          </a:bodyPr>
+          <a:lstStyle/>
+          <a:p>
+            <a:r>
+              <a:rPr lang="en-US" sz="1200" dirty="0" err="1"/>
+              <a:t>Nível</a:t>
+            </a:r>
+            <a:r>
+              <a:rPr lang="en-US" sz="1200" dirty="0"/>
+              <a:t> (m)</a:t>
+            </a:r>
+            <a:endParaRPr lang="pt-PT" sz="1200" dirty="0"/>
+          </a:p>
+        </p:txBody>
+      </p:sp>
+      <p:sp>
+        <p:nvSpPr>
+          <p:cNvPr id="22" name="TextBox 21">
+            <a:extLst>
+              <a:ext uri="{FF2B5EF4-FFF2-40B4-BE49-F238E27FC236}">
+                <a16:creationId xmlns:a16="http://schemas.microsoft.com/office/drawing/2014/main" id="{ACB65D0F-6415-024E-8BCE-A5EB1DA2C9C9}"/>
+              </a:ext>
+            </a:extLst>
+          </p:cNvPr>
+          <p:cNvSpPr txBox="1"/>
+          <p:nvPr/>
+        </p:nvSpPr>
+        <p:spPr>
+          <a:xfrm rot="16200000">
+            <a:off x="6527817" y="5128215"/>
+            <a:ext cx="833172" cy="276999"/>
+          </a:xfrm>
+          <a:prstGeom prst="rect">
+            <a:avLst/>
+          </a:prstGeom>
+          <a:noFill/>
+        </p:spPr>
+        <p:txBody>
+          <a:bodyPr wrap="square" rtlCol="0">
+            <a:spAutoFit/>
+          </a:bodyPr>
+          <a:lstStyle/>
+          <a:p>
+            <a:r>
+              <a:rPr lang="en-US" sz="1200" dirty="0" err="1"/>
+              <a:t>Nível</a:t>
+            </a:r>
+            <a:r>
+              <a:rPr lang="en-US" sz="1200" dirty="0"/>
+              <a:t> (m)</a:t>
+            </a:r>
+            <a:endParaRPr lang="pt-PT" sz="1200" dirty="0"/>
+          </a:p>
+        </p:txBody>
+      </p:sp>
+      <p:sp>
+        <p:nvSpPr>
+          <p:cNvPr id="23" name="TextBox 22">
+            <a:extLst>
+              <a:ext uri="{FF2B5EF4-FFF2-40B4-BE49-F238E27FC236}">
+                <a16:creationId xmlns:a16="http://schemas.microsoft.com/office/drawing/2014/main" id="{E1D4F8B2-92AA-CA8F-DBC3-D53C09508C96}"/>
+              </a:ext>
+            </a:extLst>
+          </p:cNvPr>
+          <p:cNvSpPr txBox="1"/>
+          <p:nvPr/>
+        </p:nvSpPr>
+        <p:spPr>
+          <a:xfrm rot="16200000">
+            <a:off x="205414" y="5128216"/>
+            <a:ext cx="833172" cy="276999"/>
+          </a:xfrm>
+          <a:prstGeom prst="rect">
+            <a:avLst/>
+          </a:prstGeom>
+          <a:noFill/>
+        </p:spPr>
+        <p:txBody>
+          <a:bodyPr wrap="square" rtlCol="0">
+            <a:spAutoFit/>
+          </a:bodyPr>
+          <a:lstStyle/>
+          <a:p>
+            <a:r>
+              <a:rPr lang="en-US" sz="1200" dirty="0" err="1"/>
+              <a:t>Nível</a:t>
+            </a:r>
+            <a:r>
+              <a:rPr lang="en-US" sz="1200" dirty="0"/>
+              <a:t> (m)</a:t>
+            </a:r>
+            <a:endParaRPr lang="pt-PT" sz="1200" dirty="0"/>
+          </a:p>
+        </p:txBody>
+      </p:sp>
     </p:spTree>
     <p:extLst>
       <p:ext uri="{BB962C8B-B14F-4D97-AF65-F5344CB8AC3E}">
@@ -7149,6 +7469,326 @@
               <a:rPr lang="pt-PT" dirty="0"/>
               <a:t>Tarefa 9</a:t>
             </a:r>
+          </a:p>
+        </p:txBody>
+      </p:sp>
+      <p:sp>
+        <p:nvSpPr>
+          <p:cNvPr id="13" name="TextBox 12">
+            <a:extLst>
+              <a:ext uri="{FF2B5EF4-FFF2-40B4-BE49-F238E27FC236}">
+                <a16:creationId xmlns:a16="http://schemas.microsoft.com/office/drawing/2014/main" id="{6556F6BB-A45E-62CF-24A7-0FCA4654C482}"/>
+              </a:ext>
+            </a:extLst>
+          </p:cNvPr>
+          <p:cNvSpPr txBox="1"/>
+          <p:nvPr/>
+        </p:nvSpPr>
+        <p:spPr>
+          <a:xfrm>
+            <a:off x="9128760" y="6611779"/>
+            <a:ext cx="768159" cy="246221"/>
+          </a:xfrm>
+          <a:prstGeom prst="rect">
+            <a:avLst/>
+          </a:prstGeom>
+          <a:noFill/>
+        </p:spPr>
+        <p:txBody>
+          <a:bodyPr wrap="none" rtlCol="0">
+            <a:spAutoFit/>
+          </a:bodyPr>
+          <a:lstStyle/>
+          <a:p>
+            <a:r>
+              <a:rPr lang="en-US" sz="1000" dirty="0"/>
+              <a:t>Tempo </a:t>
+            </a:r>
+            <a:r>
+              <a:rPr lang="pt-PT" sz="1000" dirty="0"/>
+              <a:t>(s)</a:t>
+            </a:r>
+            <a:endParaRPr lang="en-US" sz="1000" dirty="0"/>
+          </a:p>
+        </p:txBody>
+      </p:sp>
+      <p:sp>
+        <p:nvSpPr>
+          <p:cNvPr id="14" name="TextBox 13">
+            <a:extLst>
+              <a:ext uri="{FF2B5EF4-FFF2-40B4-BE49-F238E27FC236}">
+                <a16:creationId xmlns:a16="http://schemas.microsoft.com/office/drawing/2014/main" id="{7A189C06-6C87-0B1A-8780-169E11039561}"/>
+              </a:ext>
+            </a:extLst>
+          </p:cNvPr>
+          <p:cNvSpPr txBox="1"/>
+          <p:nvPr/>
+        </p:nvSpPr>
+        <p:spPr>
+          <a:xfrm>
+            <a:off x="8962062" y="3228499"/>
+            <a:ext cx="768159" cy="246221"/>
+          </a:xfrm>
+          <a:prstGeom prst="rect">
+            <a:avLst/>
+          </a:prstGeom>
+          <a:noFill/>
+        </p:spPr>
+        <p:txBody>
+          <a:bodyPr wrap="none" rtlCol="0">
+            <a:spAutoFit/>
+          </a:bodyPr>
+          <a:lstStyle/>
+          <a:p>
+            <a:r>
+              <a:rPr lang="en-US" sz="1000" dirty="0"/>
+              <a:t>Tempo </a:t>
+            </a:r>
+            <a:r>
+              <a:rPr lang="pt-PT" sz="1000" dirty="0"/>
+              <a:t>(s)</a:t>
+            </a:r>
+            <a:endParaRPr lang="en-US" sz="1000" dirty="0"/>
+          </a:p>
+        </p:txBody>
+      </p:sp>
+      <p:sp>
+        <p:nvSpPr>
+          <p:cNvPr id="15" name="TextBox 14">
+            <a:extLst>
+              <a:ext uri="{FF2B5EF4-FFF2-40B4-BE49-F238E27FC236}">
+                <a16:creationId xmlns:a16="http://schemas.microsoft.com/office/drawing/2014/main" id="{87D02B33-392B-E212-2929-8EBCE8135340}"/>
+              </a:ext>
+            </a:extLst>
+          </p:cNvPr>
+          <p:cNvSpPr txBox="1"/>
+          <p:nvPr/>
+        </p:nvSpPr>
+        <p:spPr>
+          <a:xfrm>
+            <a:off x="2491241" y="3166948"/>
+            <a:ext cx="768159" cy="246221"/>
+          </a:xfrm>
+          <a:prstGeom prst="rect">
+            <a:avLst/>
+          </a:prstGeom>
+          <a:noFill/>
+        </p:spPr>
+        <p:txBody>
+          <a:bodyPr wrap="none" rtlCol="0">
+            <a:spAutoFit/>
+          </a:bodyPr>
+          <a:lstStyle/>
+          <a:p>
+            <a:r>
+              <a:rPr lang="en-US" sz="1000" dirty="0"/>
+              <a:t>Tempo </a:t>
+            </a:r>
+            <a:r>
+              <a:rPr lang="pt-PT" sz="1000" dirty="0"/>
+              <a:t>(s)</a:t>
+            </a:r>
+            <a:endParaRPr lang="en-US" sz="1000" dirty="0"/>
+          </a:p>
+        </p:txBody>
+      </p:sp>
+      <p:sp>
+        <p:nvSpPr>
+          <p:cNvPr id="17" name="TextBox 16">
+            <a:extLst>
+              <a:ext uri="{FF2B5EF4-FFF2-40B4-BE49-F238E27FC236}">
+                <a16:creationId xmlns:a16="http://schemas.microsoft.com/office/drawing/2014/main" id="{C67DA086-03B1-11E5-EAF7-5C7892832088}"/>
+              </a:ext>
+            </a:extLst>
+          </p:cNvPr>
+          <p:cNvSpPr txBox="1"/>
+          <p:nvPr/>
+        </p:nvSpPr>
+        <p:spPr>
+          <a:xfrm>
+            <a:off x="2607907" y="6592505"/>
+            <a:ext cx="768159" cy="246221"/>
+          </a:xfrm>
+          <a:prstGeom prst="rect">
+            <a:avLst/>
+          </a:prstGeom>
+          <a:noFill/>
+        </p:spPr>
+        <p:txBody>
+          <a:bodyPr wrap="none" rtlCol="0">
+            <a:spAutoFit/>
+          </a:bodyPr>
+          <a:lstStyle/>
+          <a:p>
+            <a:r>
+              <a:rPr lang="en-US" sz="1000" dirty="0"/>
+              <a:t>Tempo </a:t>
+            </a:r>
+            <a:r>
+              <a:rPr lang="pt-PT" sz="1000" dirty="0"/>
+              <a:t>(s)</a:t>
+            </a:r>
+            <a:endParaRPr lang="en-US" sz="1000" dirty="0"/>
+          </a:p>
+        </p:txBody>
+      </p:sp>
+      <p:sp>
+        <p:nvSpPr>
+          <p:cNvPr id="2" name="TextBox 1">
+            <a:extLst>
+              <a:ext uri="{FF2B5EF4-FFF2-40B4-BE49-F238E27FC236}">
+                <a16:creationId xmlns:a16="http://schemas.microsoft.com/office/drawing/2014/main" id="{19DEDB86-A745-9771-7053-C904A5558C6E}"/>
+              </a:ext>
+            </a:extLst>
+          </p:cNvPr>
+          <p:cNvSpPr txBox="1"/>
+          <p:nvPr/>
+        </p:nvSpPr>
+        <p:spPr>
+          <a:xfrm rot="16200000">
+            <a:off x="6607338" y="1707366"/>
+            <a:ext cx="803425" cy="276999"/>
+          </a:xfrm>
+          <a:prstGeom prst="rect">
+            <a:avLst/>
+          </a:prstGeom>
+          <a:noFill/>
+        </p:spPr>
+        <p:txBody>
+          <a:bodyPr wrap="none" rtlCol="0">
+            <a:spAutoFit/>
+          </a:bodyPr>
+          <a:lstStyle/>
+          <a:p>
+            <a:r>
+              <a:rPr lang="en-US" sz="1200" dirty="0" err="1"/>
+              <a:t>Nível</a:t>
+            </a:r>
+            <a:r>
+              <a:rPr lang="en-US" sz="1200" dirty="0"/>
+              <a:t> (m)</a:t>
+            </a:r>
+            <a:endParaRPr lang="pt-PT" sz="1200" dirty="0"/>
+          </a:p>
+        </p:txBody>
+      </p:sp>
+      <p:sp>
+        <p:nvSpPr>
+          <p:cNvPr id="19" name="TextBox 18">
+            <a:extLst>
+              <a:ext uri="{FF2B5EF4-FFF2-40B4-BE49-F238E27FC236}">
+                <a16:creationId xmlns:a16="http://schemas.microsoft.com/office/drawing/2014/main" id="{A6170E5F-A452-71BE-A434-F979AE138633}"/>
+              </a:ext>
+            </a:extLst>
+          </p:cNvPr>
+          <p:cNvSpPr txBox="1"/>
+          <p:nvPr/>
+        </p:nvSpPr>
+        <p:spPr>
+          <a:xfrm rot="16200000">
+            <a:off x="254611" y="5112874"/>
+            <a:ext cx="803425" cy="276999"/>
+          </a:xfrm>
+          <a:prstGeom prst="rect">
+            <a:avLst/>
+          </a:prstGeom>
+          <a:noFill/>
+        </p:spPr>
+        <p:txBody>
+          <a:bodyPr wrap="none" rtlCol="0">
+            <a:spAutoFit/>
+          </a:bodyPr>
+          <a:lstStyle/>
+          <a:p>
+            <a:r>
+              <a:rPr lang="en-US" sz="1200" dirty="0" err="1"/>
+              <a:t>Nível</a:t>
+            </a:r>
+            <a:r>
+              <a:rPr lang="en-US" sz="1200" dirty="0"/>
+              <a:t> (m)</a:t>
+            </a:r>
+            <a:endParaRPr lang="pt-PT" sz="1200" dirty="0"/>
+          </a:p>
+        </p:txBody>
+      </p:sp>
+      <p:sp>
+        <p:nvSpPr>
+          <p:cNvPr id="22" name="TextBox 21">
+            <a:extLst>
+              <a:ext uri="{FF2B5EF4-FFF2-40B4-BE49-F238E27FC236}">
+                <a16:creationId xmlns:a16="http://schemas.microsoft.com/office/drawing/2014/main" id="{85BBC23F-C06E-FECA-0829-177BE19806BA}"/>
+              </a:ext>
+            </a:extLst>
+          </p:cNvPr>
+          <p:cNvSpPr txBox="1"/>
+          <p:nvPr/>
+        </p:nvSpPr>
+        <p:spPr>
+          <a:xfrm rot="16200000">
+            <a:off x="299801" y="1703016"/>
+            <a:ext cx="803425" cy="276999"/>
+          </a:xfrm>
+          <a:prstGeom prst="rect">
+            <a:avLst/>
+          </a:prstGeom>
+          <a:noFill/>
+        </p:spPr>
+        <p:txBody>
+          <a:bodyPr wrap="none" rtlCol="0">
+            <a:spAutoFit/>
+          </a:bodyPr>
+          <a:lstStyle/>
+          <a:p>
+            <a:r>
+              <a:rPr lang="en-US" sz="1200" dirty="0" err="1"/>
+              <a:t>Nível</a:t>
+            </a:r>
+            <a:r>
+              <a:rPr lang="en-US" sz="1200" dirty="0"/>
+              <a:t> (m)</a:t>
+            </a:r>
+            <a:endParaRPr lang="pt-PT" sz="1200" dirty="0"/>
+          </a:p>
+        </p:txBody>
+      </p:sp>
+      <p:sp>
+        <p:nvSpPr>
+          <p:cNvPr id="24" name="TextBox 23">
+            <a:extLst>
+              <a:ext uri="{FF2B5EF4-FFF2-40B4-BE49-F238E27FC236}">
+                <a16:creationId xmlns:a16="http://schemas.microsoft.com/office/drawing/2014/main" id="{DCE779F4-348D-B860-E202-CD9EE470E2EB}"/>
+              </a:ext>
+            </a:extLst>
+          </p:cNvPr>
+          <p:cNvSpPr txBox="1"/>
+          <p:nvPr/>
+        </p:nvSpPr>
+        <p:spPr>
+          <a:xfrm rot="16200000">
+            <a:off x="6607338" y="5112874"/>
+            <a:ext cx="803425" cy="276999"/>
+          </a:xfrm>
+          <a:prstGeom prst="rect">
+            <a:avLst/>
+          </a:prstGeom>
+          <a:noFill/>
+        </p:spPr>
+        <p:txBody>
+          <a:bodyPr wrap="none" rtlCol="0">
+            <a:spAutoFit/>
+          </a:bodyPr>
+          <a:lstStyle/>
+          <a:p>
+            <a:r>
+              <a:rPr lang="en-US" sz="1200" dirty="0" err="1"/>
+              <a:t>Nível</a:t>
+            </a:r>
+            <a:r>
+              <a:rPr lang="en-US" sz="1200" dirty="0"/>
+              <a:t> (m)</a:t>
+            </a:r>
+            <a:endParaRPr lang="pt-PT" sz="1200" dirty="0"/>
           </a:p>
         </p:txBody>
       </p:sp>

--- a/TP4/TP4 – Simulacao de Sistemas.pptx
+++ b/TP4/TP4 – Simulacao de Sistemas.pptx
@@ -7,9 +7,10 @@
   <p:sldIdLst>
     <p:sldId id="256" r:id="rId2"/>
     <p:sldId id="257" r:id="rId3"/>
-    <p:sldId id="258" r:id="rId4"/>
-    <p:sldId id="259" r:id="rId5"/>
-    <p:sldId id="260" r:id="rId6"/>
+    <p:sldId id="261" r:id="rId4"/>
+    <p:sldId id="258" r:id="rId5"/>
+    <p:sldId id="259" r:id="rId6"/>
+    <p:sldId id="260" r:id="rId7"/>
   </p:sldIdLst>
   <p:sldSz cx="12192000" cy="6858000"/>
   <p:notesSz cx="6858000" cy="9144000"/>
@@ -267,7 +268,7 @@
           <a:p>
             <a:fld id="{8C28A28C-4C6A-46EA-90C0-4EE0B89CC5C7}" type="datetimeFigureOut">
               <a:rPr lang="en-US" smtClean="0"/>
-              <a:t>6/22/2022</a:t>
+              <a:t>7/19/2022</a:t>
             </a:fld>
             <a:endParaRPr lang="en-US" dirty="0"/>
           </a:p>
@@ -465,7 +466,7 @@
           <a:p>
             <a:fld id="{8C28A28C-4C6A-46EA-90C0-4EE0B89CC5C7}" type="datetimeFigureOut">
               <a:rPr lang="en-US" smtClean="0"/>
-              <a:t>6/22/2022</a:t>
+              <a:t>7/19/2022</a:t>
             </a:fld>
             <a:endParaRPr lang="en-US"/>
           </a:p>
@@ -673,7 +674,7 @@
           <a:p>
             <a:fld id="{8C28A28C-4C6A-46EA-90C0-4EE0B89CC5C7}" type="datetimeFigureOut">
               <a:rPr lang="en-US" smtClean="0"/>
-              <a:t>6/22/2022</a:t>
+              <a:t>7/19/2022</a:t>
             </a:fld>
             <a:endParaRPr lang="en-US"/>
           </a:p>
@@ -871,7 +872,7 @@
           <a:p>
             <a:fld id="{8C28A28C-4C6A-46EA-90C0-4EE0B89CC5C7}" type="datetimeFigureOut">
               <a:rPr lang="en-US" smtClean="0"/>
-              <a:t>6/22/2022</a:t>
+              <a:t>7/19/2022</a:t>
             </a:fld>
             <a:endParaRPr lang="en-US"/>
           </a:p>
@@ -1148,7 +1149,7 @@
           <a:p>
             <a:fld id="{8C28A28C-4C6A-46EA-90C0-4EE0B89CC5C7}" type="datetimeFigureOut">
               <a:rPr lang="en-US" smtClean="0"/>
-              <a:t>6/22/2022</a:t>
+              <a:t>7/19/2022</a:t>
             </a:fld>
             <a:endParaRPr lang="en-US"/>
           </a:p>
@@ -1413,7 +1414,7 @@
           <a:p>
             <a:fld id="{8C28A28C-4C6A-46EA-90C0-4EE0B89CC5C7}" type="datetimeFigureOut">
               <a:rPr lang="en-US" smtClean="0"/>
-              <a:t>6/22/2022</a:t>
+              <a:t>7/19/2022</a:t>
             </a:fld>
             <a:endParaRPr lang="en-US"/>
           </a:p>
@@ -1825,7 +1826,7 @@
           <a:p>
             <a:fld id="{8C28A28C-4C6A-46EA-90C0-4EE0B89CC5C7}" type="datetimeFigureOut">
               <a:rPr lang="en-US" smtClean="0"/>
-              <a:t>6/22/2022</a:t>
+              <a:t>7/19/2022</a:t>
             </a:fld>
             <a:endParaRPr lang="en-US"/>
           </a:p>
@@ -1966,7 +1967,7 @@
           <a:p>
             <a:fld id="{8C28A28C-4C6A-46EA-90C0-4EE0B89CC5C7}" type="datetimeFigureOut">
               <a:rPr lang="en-US" smtClean="0"/>
-              <a:t>6/22/2022</a:t>
+              <a:t>7/19/2022</a:t>
             </a:fld>
             <a:endParaRPr lang="en-US"/>
           </a:p>
@@ -2079,7 +2080,7 @@
           <a:p>
             <a:fld id="{8C28A28C-4C6A-46EA-90C0-4EE0B89CC5C7}" type="datetimeFigureOut">
               <a:rPr lang="en-US" smtClean="0"/>
-              <a:t>6/22/2022</a:t>
+              <a:t>7/19/2022</a:t>
             </a:fld>
             <a:endParaRPr lang="en-US"/>
           </a:p>
@@ -2392,7 +2393,7 @@
           <a:p>
             <a:fld id="{8C28A28C-4C6A-46EA-90C0-4EE0B89CC5C7}" type="datetimeFigureOut">
               <a:rPr lang="en-US" smtClean="0"/>
-              <a:t>6/22/2022</a:t>
+              <a:t>7/19/2022</a:t>
             </a:fld>
             <a:endParaRPr lang="en-US"/>
           </a:p>
@@ -2680,7 +2681,7 @@
           <a:p>
             <a:fld id="{8C28A28C-4C6A-46EA-90C0-4EE0B89CC5C7}" type="datetimeFigureOut">
               <a:rPr lang="en-US" smtClean="0"/>
-              <a:t>6/22/2022</a:t>
+              <a:t>7/19/2022</a:t>
             </a:fld>
             <a:endParaRPr lang="en-US"/>
           </a:p>
@@ -3035,7 +3036,7 @@
             <a:fld id="{8C28A28C-4C6A-46EA-90C0-4EE0B89CC5C7}" type="datetimeFigureOut">
               <a:rPr lang="en-US" smtClean="0"/>
               <a:pPr/>
-              <a:t>6/22/2022</a:t>
+              <a:t>7/19/2022</a:t>
             </a:fld>
             <a:endParaRPr lang="en-US" dirty="0"/>
           </a:p>
@@ -5639,14 +5640,6 @@
 <file path=ppt/slides/slide3.xml><?xml version="1.0" encoding="utf-8"?>
 <p:sld xmlns:a="http://schemas.openxmlformats.org/drawingml/2006/main" xmlns:r="http://schemas.openxmlformats.org/officeDocument/2006/relationships" xmlns:p="http://schemas.openxmlformats.org/presentationml/2006/main">
   <p:cSld>
-    <p:bg>
-      <p:bgPr>
-        <a:solidFill>
-          <a:schemeClr val="bg1"/>
-        </a:solidFill>
-        <a:effectLst/>
-      </p:bgPr>
-    </p:bg>
     <p:spTree>
       <p:nvGrpSpPr>
         <p:cNvPr id="1" name=""/>
@@ -5661,12 +5654,108 @@
           <a:chExt cx="0" cy="0"/>
         </a:xfrm>
       </p:grpSpPr>
+      <p:sp>
+        <p:nvSpPr>
+          <p:cNvPr id="4" name="TextBox 3">
+            <a:extLst>
+              <a:ext uri="{FF2B5EF4-FFF2-40B4-BE49-F238E27FC236}">
+                <a16:creationId xmlns:a16="http://schemas.microsoft.com/office/drawing/2014/main" id="{01D2B656-5099-5981-1D6A-5D6A379CF31C}"/>
+              </a:ext>
+            </a:extLst>
+          </p:cNvPr>
+          <p:cNvSpPr txBox="1"/>
+          <p:nvPr/>
+        </p:nvSpPr>
+        <p:spPr>
+          <a:xfrm>
+            <a:off x="427290" y="350378"/>
+            <a:ext cx="10216387" cy="369332"/>
+          </a:xfrm>
+          <a:prstGeom prst="rect">
+            <a:avLst/>
+          </a:prstGeom>
+          <a:noFill/>
+        </p:spPr>
+        <p:txBody>
+          <a:bodyPr wrap="none" rtlCol="0">
+            <a:spAutoFit/>
+          </a:bodyPr>
+          <a:lstStyle/>
+          <a:p>
+            <a:r>
+              <a:rPr lang="en-US" dirty="0" err="1"/>
+              <a:t>Após</a:t>
+            </a:r>
+            <a:r>
+              <a:rPr lang="en-US" dirty="0"/>
+              <a:t> </a:t>
+            </a:r>
+            <a:r>
+              <a:rPr lang="en-US" dirty="0" err="1"/>
+              <a:t>cálculo</a:t>
+            </a:r>
+            <a:r>
+              <a:rPr lang="en-US" dirty="0"/>
+              <a:t> dos zeros da </a:t>
+            </a:r>
+            <a:r>
+              <a:rPr lang="en-US" dirty="0" err="1"/>
+              <a:t>função</a:t>
+            </a:r>
+            <a:r>
+              <a:rPr lang="en-US" dirty="0"/>
+              <a:t> de </a:t>
+            </a:r>
+            <a:r>
+              <a:rPr lang="en-US" dirty="0" err="1"/>
+              <a:t>transferência</a:t>
+            </a:r>
+            <a:r>
+              <a:rPr lang="en-US" dirty="0"/>
+              <a:t> </a:t>
+            </a:r>
+            <a:r>
+              <a:rPr lang="en-US" dirty="0" err="1"/>
+              <a:t>obtivemos</a:t>
+            </a:r>
+            <a:r>
+              <a:rPr lang="en-US" dirty="0"/>
+              <a:t> </a:t>
+            </a:r>
+            <a:r>
+              <a:rPr lang="en-US" dirty="0" err="1"/>
+              <a:t>os</a:t>
+            </a:r>
+            <a:r>
+              <a:rPr lang="en-US" dirty="0"/>
+              <a:t> </a:t>
+            </a:r>
+            <a:r>
+              <a:rPr lang="en-US" dirty="0" err="1"/>
+              <a:t>parâmetros</a:t>
+            </a:r>
+            <a:r>
+              <a:rPr lang="en-US" dirty="0"/>
+              <a:t>  do </a:t>
+            </a:r>
+            <a:r>
+              <a:rPr lang="en-US" dirty="0" err="1"/>
+              <a:t>controlador</a:t>
+            </a:r>
+            <a:r>
+              <a:rPr lang="en-US" dirty="0"/>
+              <a:t> PID</a:t>
+            </a:r>
+            <a:endParaRPr lang="pt-PT" dirty="0"/>
+          </a:p>
+        </p:txBody>
+      </p:sp>
       <p:pic>
         <p:nvPicPr>
           <p:cNvPr id="5" name="Picture 4" descr="Chart&#10;&#10;Description automatically generated">
             <a:extLst>
               <a:ext uri="{FF2B5EF4-FFF2-40B4-BE49-F238E27FC236}">
-                <a16:creationId xmlns:a16="http://schemas.microsoft.com/office/drawing/2014/main" id="{DA3CBF37-2F6D-B6FB-8F32-C17AAF915253}"/>
+                <a16:creationId xmlns:a16="http://schemas.microsoft.com/office/drawing/2014/main" id="{2C647E9F-2846-0D74-9046-8EAC4036408A}"/>
               </a:ext>
             </a:extLst>
           </p:cNvPr>
@@ -5689,183 +5778,7 @@
         </p:blipFill>
         <p:spPr>
           <a:xfrm>
-            <a:off x="8142408" y="2098074"/>
-            <a:ext cx="3517119" cy="2664217"/>
-          </a:xfrm>
-          <a:prstGeom prst="rect">
-            <a:avLst/>
-          </a:prstGeom>
-        </p:spPr>
-      </p:pic>
-      <p:cxnSp>
-        <p:nvCxnSpPr>
-          <p:cNvPr id="14" name="Straight Connector 13">
-            <a:extLst>
-              <a:ext uri="{FF2B5EF4-FFF2-40B4-BE49-F238E27FC236}">
-                <a16:creationId xmlns:a16="http://schemas.microsoft.com/office/drawing/2014/main" id="{DCD67800-37AC-4E14-89B0-F79DCB3FB86D}"/>
-              </a:ext>
-              <a:ext uri="{C183D7F6-B498-43B3-948B-1728B52AA6E4}">
-                <adec:decorative xmlns:adec="http://schemas.microsoft.com/office/drawing/2017/decorative" val="1"/>
-              </a:ext>
-            </a:extLst>
-          </p:cNvPr>
-          <p:cNvCxnSpPr>
-            <a:cxnSpLocks noGrp="1" noRot="1" noChangeAspect="1" noMove="1" noResize="1" noEditPoints="1" noAdjustHandles="1" noChangeArrowheads="1" noChangeShapeType="1"/>
-          </p:cNvCxnSpPr>
-          <p:nvPr>
-            <p:extLst>
-              <p:ext uri="{386F3935-93C4-4BCD-93E2-E3B085C9AB24}">
-                <p16:designElem xmlns:p16="http://schemas.microsoft.com/office/powerpoint/2015/main" val="1"/>
-              </p:ext>
-            </p:extLst>
-          </p:nvPr>
-        </p:nvCxnSpPr>
-        <p:spPr>
-          <a:xfrm>
-            <a:off x="4165600" y="1573887"/>
-            <a:ext cx="0" cy="3710227"/>
-          </a:xfrm>
-          <a:prstGeom prst="line">
-            <a:avLst/>
-          </a:prstGeom>
-          <a:ln w="19050">
-            <a:solidFill>
-              <a:srgbClr val="7F7F7F"/>
-            </a:solidFill>
-          </a:ln>
-        </p:spPr>
-        <p:style>
-          <a:lnRef idx="1">
-            <a:schemeClr val="accent1"/>
-          </a:lnRef>
-          <a:fillRef idx="0">
-            <a:schemeClr val="accent1"/>
-          </a:fillRef>
-          <a:effectRef idx="0">
-            <a:schemeClr val="accent1"/>
-          </a:effectRef>
-          <a:fontRef idx="minor">
-            <a:schemeClr val="tx1"/>
-          </a:fontRef>
-        </p:style>
-      </p:cxnSp>
-      <p:pic>
-        <p:nvPicPr>
-          <p:cNvPr id="9" name="Picture 8" descr="Chart&#10;&#10;Description automatically generated">
-            <a:extLst>
-              <a:ext uri="{FF2B5EF4-FFF2-40B4-BE49-F238E27FC236}">
-                <a16:creationId xmlns:a16="http://schemas.microsoft.com/office/drawing/2014/main" id="{3FF94AC2-C20B-8A47-A634-D36F4EE600C7}"/>
-              </a:ext>
-            </a:extLst>
-          </p:cNvPr>
-          <p:cNvPicPr>
-            <a:picLocks noChangeAspect="1"/>
-          </p:cNvPicPr>
-          <p:nvPr/>
-        </p:nvPicPr>
-        <p:blipFill>
-          <a:blip r:embed="rId3">
-            <a:extLst>
-              <a:ext uri="{28A0092B-C50C-407E-A947-70E740481C1C}">
-                <a14:useLocalDpi xmlns:a14="http://schemas.microsoft.com/office/drawing/2010/main" val="0"/>
-              </a:ext>
-            </a:extLst>
-          </a:blip>
-          <a:stretch>
-            <a:fillRect/>
-          </a:stretch>
-        </p:blipFill>
-        <p:spPr>
-          <a:xfrm>
-            <a:off x="4312088" y="2098074"/>
-            <a:ext cx="3537345" cy="2661851"/>
-          </a:xfrm>
-          <a:prstGeom prst="rect">
-            <a:avLst/>
-          </a:prstGeom>
-        </p:spPr>
-      </p:pic>
-      <p:cxnSp>
-        <p:nvCxnSpPr>
-          <p:cNvPr id="16" name="Straight Connector 15">
-            <a:extLst>
-              <a:ext uri="{FF2B5EF4-FFF2-40B4-BE49-F238E27FC236}">
-                <a16:creationId xmlns:a16="http://schemas.microsoft.com/office/drawing/2014/main" id="{20F1788F-A5AE-4188-8274-F7F2E3833ECD}"/>
-              </a:ext>
-              <a:ext uri="{C183D7F6-B498-43B3-948B-1728B52AA6E4}">
-                <adec:decorative xmlns:adec="http://schemas.microsoft.com/office/drawing/2017/decorative" val="1"/>
-              </a:ext>
-            </a:extLst>
-          </p:cNvPr>
-          <p:cNvCxnSpPr>
-            <a:cxnSpLocks noGrp="1" noRot="1" noChangeAspect="1" noMove="1" noResize="1" noEditPoints="1" noAdjustHandles="1" noChangeArrowheads="1" noChangeShapeType="1"/>
-          </p:cNvCxnSpPr>
-          <p:nvPr>
-            <p:extLst>
-              <p:ext uri="{386F3935-93C4-4BCD-93E2-E3B085C9AB24}">
-                <p16:designElem xmlns:p16="http://schemas.microsoft.com/office/powerpoint/2015/main" val="1"/>
-              </p:ext>
-            </p:extLst>
-          </p:nvPr>
-        </p:nvCxnSpPr>
-        <p:spPr>
-          <a:xfrm>
-            <a:off x="7995920" y="1573887"/>
-            <a:ext cx="0" cy="3710227"/>
-          </a:xfrm>
-          <a:prstGeom prst="line">
-            <a:avLst/>
-          </a:prstGeom>
-          <a:ln w="19050">
-            <a:solidFill>
-              <a:srgbClr val="7F7F7F"/>
-            </a:solidFill>
-          </a:ln>
-        </p:spPr>
-        <p:style>
-          <a:lnRef idx="1">
-            <a:schemeClr val="accent1"/>
-          </a:lnRef>
-          <a:fillRef idx="0">
-            <a:schemeClr val="accent1"/>
-          </a:fillRef>
-          <a:effectRef idx="0">
-            <a:schemeClr val="accent1"/>
-          </a:effectRef>
-          <a:fontRef idx="minor">
-            <a:schemeClr val="tx1"/>
-          </a:fontRef>
-        </p:style>
-      </p:cxnSp>
-      <p:pic>
-        <p:nvPicPr>
-          <p:cNvPr id="7" name="Picture 6" descr="Chart&#10;&#10;Description automatically generated">
-            <a:extLst>
-              <a:ext uri="{FF2B5EF4-FFF2-40B4-BE49-F238E27FC236}">
-                <a16:creationId xmlns:a16="http://schemas.microsoft.com/office/drawing/2014/main" id="{01508FAA-14E0-4BD1-78B4-1D0E015A7287}"/>
-              </a:ext>
-            </a:extLst>
-          </p:cNvPr>
-          <p:cNvPicPr>
-            <a:picLocks noChangeAspect="1"/>
-          </p:cNvPicPr>
-          <p:nvPr/>
-        </p:nvPicPr>
-        <p:blipFill>
-          <a:blip r:embed="rId4">
-            <a:extLst>
-              <a:ext uri="{28A0092B-C50C-407E-A947-70E740481C1C}">
-                <a14:useLocalDpi xmlns:a14="http://schemas.microsoft.com/office/drawing/2010/main" val="0"/>
-              </a:ext>
-            </a:extLst>
-          </a:blip>
-          <a:stretch>
-            <a:fillRect/>
-          </a:stretch>
-        </p:blipFill>
-        <p:spPr>
-          <a:xfrm>
-            <a:off x="501993" y="2101287"/>
+            <a:off x="427290" y="879239"/>
             <a:ext cx="3517120" cy="2655424"/>
           </a:xfrm>
           <a:prstGeom prst="rect">
@@ -5875,10 +5788,10 @@
       </p:pic>
       <p:sp>
         <p:nvSpPr>
-          <p:cNvPr id="10" name="TextBox 9">
-            <a:extLst>
-              <a:ext uri="{FF2B5EF4-FFF2-40B4-BE49-F238E27FC236}">
-                <a16:creationId xmlns:a16="http://schemas.microsoft.com/office/drawing/2014/main" id="{24BF5F38-A2F1-4703-0D21-64551B397097}"/>
+          <p:cNvPr id="7" name="TextBox 6">
+            <a:extLst>
+              <a:ext uri="{FF2B5EF4-FFF2-40B4-BE49-F238E27FC236}">
+                <a16:creationId xmlns:a16="http://schemas.microsoft.com/office/drawing/2014/main" id="{5C5D9B7F-A739-ADAD-0E61-C7C020CCC9AD}"/>
               </a:ext>
             </a:extLst>
           </p:cNvPr>
@@ -5887,8 +5800,8 @@
         </p:nvSpPr>
         <p:spPr>
           <a:xfrm>
-            <a:off x="247829" y="504828"/>
-            <a:ext cx="11767556" cy="584775"/>
+            <a:off x="427290" y="3576414"/>
+            <a:ext cx="3517120" cy="246221"/>
           </a:xfrm>
           <a:prstGeom prst="rect">
             <a:avLst/>
@@ -5896,32 +5809,345 @@
           <a:noFill/>
         </p:spPr>
         <p:txBody>
-          <a:bodyPr wrap="square" rtlCol="0">
+          <a:bodyPr wrap="square">
             <a:spAutoFit/>
           </a:bodyPr>
           <a:lstStyle/>
           <a:p>
             <a:r>
-              <a:rPr lang="pt-PT" sz="1600" dirty="0"/>
-              <a:t>Com a ajuda de mapas </a:t>
-            </a:r>
-            <a:r>
-              <a:rPr lang="pt-PT" sz="1600" dirty="0" err="1"/>
-              <a:t>pólos</a:t>
-            </a:r>
-            <a:r>
-              <a:rPr lang="pt-PT" sz="1600" dirty="0"/>
-              <a:t>-zeros, e após dimensionamento do controlador PID, foi possível calcular a FTCA e de seguida a FTCF</a:t>
-            </a:r>
-          </a:p>
-        </p:txBody>
-      </p:sp>
-      <p:sp>
-        <p:nvSpPr>
-          <p:cNvPr id="2" name="TextBox 1">
-            <a:extLst>
-              <a:ext uri="{FF2B5EF4-FFF2-40B4-BE49-F238E27FC236}">
-                <a16:creationId xmlns:a16="http://schemas.microsoft.com/office/drawing/2014/main" id="{720F5A22-8CF6-ACFF-666A-D8BF87F86FD1}"/>
+              <a:rPr lang="en-US" sz="1000" dirty="0" err="1"/>
+              <a:t>Mapa</a:t>
+            </a:r>
+            <a:r>
+              <a:rPr lang="en-US" sz="1000" dirty="0"/>
+              <a:t> PZ </a:t>
+            </a:r>
+            <a:r>
+              <a:rPr lang="en-US" sz="1000" dirty="0" err="1"/>
+              <a:t>Função</a:t>
+            </a:r>
+            <a:r>
+              <a:rPr lang="en-US" sz="1000" dirty="0"/>
+              <a:t> de </a:t>
+            </a:r>
+            <a:r>
+              <a:rPr lang="en-US" sz="1000" dirty="0" err="1"/>
+              <a:t>Transferência</a:t>
+            </a:r>
+            <a:r>
+              <a:rPr lang="en-US" sz="1000" dirty="0"/>
+              <a:t> 3ª </a:t>
+            </a:r>
+            <a:r>
+              <a:rPr lang="en-US" sz="1000" dirty="0" err="1"/>
+              <a:t>ordem</a:t>
+            </a:r>
+            <a:endParaRPr lang="pt-PT" sz="1000" dirty="0"/>
+          </a:p>
+        </p:txBody>
+      </p:sp>
+      <mc:AlternateContent xmlns:mc="http://schemas.openxmlformats.org/markup-compatibility/2006" xmlns:a14="http://schemas.microsoft.com/office/drawing/2010/main">
+        <mc:Choice Requires="a14">
+          <p:sp>
+            <p:nvSpPr>
+              <p:cNvPr id="8" name="TextBox 7">
+                <a:extLst>
+                  <a:ext uri="{FF2B5EF4-FFF2-40B4-BE49-F238E27FC236}">
+                    <a16:creationId xmlns:a16="http://schemas.microsoft.com/office/drawing/2014/main" id="{C9B8DE3B-F853-9683-E96B-E5ACFD16CDAE}"/>
+                  </a:ext>
+                </a:extLst>
+              </p:cNvPr>
+              <p:cNvSpPr txBox="1"/>
+              <p:nvPr/>
+            </p:nvSpPr>
+            <p:spPr>
+              <a:xfrm>
+                <a:off x="4178894" y="874964"/>
+                <a:ext cx="2834355" cy="485197"/>
+              </a:xfrm>
+              <a:prstGeom prst="rect">
+                <a:avLst/>
+              </a:prstGeom>
+              <a:noFill/>
+            </p:spPr>
+            <p:txBody>
+              <a:bodyPr wrap="square" rtlCol="0">
+                <a:spAutoFit/>
+              </a:bodyPr>
+              <a:lstStyle/>
+              <a:p>
+                <a14:m>
+                  <m:oMath xmlns:m="http://schemas.openxmlformats.org/officeDocument/2006/math">
+                    <m:r>
+                      <a:rPr lang="pt-PT" i="1" smtClean="0">
+                        <a:latin typeface="Cambria Math" panose="02040503050406030204" pitchFamily="18" charset="0"/>
+                        <a:ea typeface="Cambria Math" panose="02040503050406030204" pitchFamily="18" charset="0"/>
+                      </a:rPr>
+                      <m:t>𝜏</m:t>
+                    </m:r>
+                    <m:r>
+                      <a:rPr lang="en-US" b="0" i="1" smtClean="0">
+                        <a:latin typeface="Cambria Math" panose="02040503050406030204" pitchFamily="18" charset="0"/>
+                        <a:ea typeface="Cambria Math" panose="02040503050406030204" pitchFamily="18" charset="0"/>
+                      </a:rPr>
+                      <m:t>𝑐</m:t>
+                    </m:r>
+                    <m:r>
+                      <a:rPr lang="en-US" b="0" i="1" smtClean="0">
+                        <a:latin typeface="Cambria Math" panose="02040503050406030204" pitchFamily="18" charset="0"/>
+                        <a:ea typeface="Cambria Math" panose="02040503050406030204" pitchFamily="18" charset="0"/>
+                      </a:rPr>
+                      <m:t>1=−</m:t>
+                    </m:r>
+                    <m:f>
+                      <m:fPr>
+                        <m:ctrlPr>
+                          <a:rPr lang="en-US" b="0" i="1" smtClean="0">
+                            <a:latin typeface="Cambria Math" panose="02040503050406030204" pitchFamily="18" charset="0"/>
+                            <a:ea typeface="Cambria Math" panose="02040503050406030204" pitchFamily="18" charset="0"/>
+                          </a:rPr>
+                        </m:ctrlPr>
+                      </m:fPr>
+                      <m:num>
+                        <m:r>
+                          <a:rPr lang="en-US" b="0" i="1" smtClean="0">
+                            <a:latin typeface="Cambria Math" panose="02040503050406030204" pitchFamily="18" charset="0"/>
+                            <a:ea typeface="Cambria Math" panose="02040503050406030204" pitchFamily="18" charset="0"/>
+                          </a:rPr>
+                          <m:t>1</m:t>
+                        </m:r>
+                      </m:num>
+                      <m:den>
+                        <m:r>
+                          <a:rPr lang="en-US" b="0" i="1" smtClean="0">
+                            <a:latin typeface="Cambria Math" panose="02040503050406030204" pitchFamily="18" charset="0"/>
+                            <a:ea typeface="Cambria Math" panose="02040503050406030204" pitchFamily="18" charset="0"/>
+                          </a:rPr>
+                          <m:t>−0.0321</m:t>
+                        </m:r>
+                      </m:den>
+                    </m:f>
+                    <m:r>
+                      <a:rPr lang="en-US" b="0" i="1" smtClean="0">
+                        <a:latin typeface="Cambria Math" panose="02040503050406030204" pitchFamily="18" charset="0"/>
+                        <a:ea typeface="Cambria Math" panose="02040503050406030204" pitchFamily="18" charset="0"/>
+                      </a:rPr>
+                      <m:t>=</m:t>
+                    </m:r>
+                  </m:oMath>
+                </a14:m>
+                <a:r>
+                  <a:rPr lang="pt-PT" dirty="0"/>
+                  <a:t>31.1067</a:t>
+                </a:r>
+              </a:p>
+            </p:txBody>
+          </p:sp>
+        </mc:Choice>
+        <mc:Fallback xmlns="">
+          <p:sp>
+            <p:nvSpPr>
+              <p:cNvPr id="8" name="TextBox 7">
+                <a:extLst>
+                  <a:ext uri="{FF2B5EF4-FFF2-40B4-BE49-F238E27FC236}">
+                    <a16:creationId xmlns:a16="http://schemas.microsoft.com/office/drawing/2014/main" id="{C9B8DE3B-F853-9683-E96B-E5ACFD16CDAE}"/>
+                  </a:ext>
+                </a:extLst>
+              </p:cNvPr>
+              <p:cNvSpPr txBox="1">
+                <a:spLocks noRot="1" noChangeAspect="1" noMove="1" noResize="1" noEditPoints="1" noAdjustHandles="1" noChangeArrowheads="1" noChangeShapeType="1" noTextEdit="1"/>
+              </p:cNvSpPr>
+              <p:nvPr/>
+            </p:nvSpPr>
+            <p:spPr>
+              <a:xfrm>
+                <a:off x="4178894" y="874964"/>
+                <a:ext cx="2834355" cy="485197"/>
+              </a:xfrm>
+              <a:prstGeom prst="rect">
+                <a:avLst/>
+              </a:prstGeom>
+              <a:blipFill>
+                <a:blip r:embed="rId3"/>
+                <a:stretch>
+                  <a:fillRect b="-8861"/>
+                </a:stretch>
+              </a:blipFill>
+            </p:spPr>
+            <p:txBody>
+              <a:bodyPr/>
+              <a:lstStyle/>
+              <a:p>
+                <a:r>
+                  <a:rPr lang="pt-PT">
+                    <a:noFill/>
+                  </a:rPr>
+                  <a:t> </a:t>
+                </a:r>
+              </a:p>
+            </p:txBody>
+          </p:sp>
+        </mc:Fallback>
+      </mc:AlternateContent>
+      <mc:AlternateContent xmlns:mc="http://schemas.openxmlformats.org/markup-compatibility/2006" xmlns:a14="http://schemas.microsoft.com/office/drawing/2010/main">
+        <mc:Choice Requires="a14">
+          <p:sp>
+            <p:nvSpPr>
+              <p:cNvPr id="9" name="TextBox 8">
+                <a:extLst>
+                  <a:ext uri="{FF2B5EF4-FFF2-40B4-BE49-F238E27FC236}">
+                    <a16:creationId xmlns:a16="http://schemas.microsoft.com/office/drawing/2014/main" id="{DD0EB6CD-A1B0-1A5D-BAF3-46DE70C3BBD3}"/>
+                  </a:ext>
+                </a:extLst>
+              </p:cNvPr>
+              <p:cNvSpPr txBox="1"/>
+              <p:nvPr/>
+            </p:nvSpPr>
+            <p:spPr>
+              <a:xfrm>
+                <a:off x="4178894" y="1275657"/>
+                <a:ext cx="2093719" cy="612732"/>
+              </a:xfrm>
+              <a:prstGeom prst="rect">
+                <a:avLst/>
+              </a:prstGeom>
+              <a:noFill/>
+            </p:spPr>
+            <p:txBody>
+              <a:bodyPr wrap="square" rtlCol="0">
+                <a:spAutoFit/>
+              </a:bodyPr>
+              <a:lstStyle/>
+              <a:p>
+                <a:pPr/>
+                <a14:m>
+                  <m:oMathPara xmlns:m="http://schemas.openxmlformats.org/officeDocument/2006/math">
+                    <m:oMathParaPr>
+                      <m:jc m:val="centerGroup"/>
+                    </m:oMathParaPr>
+                    <m:oMath xmlns:m="http://schemas.openxmlformats.org/officeDocument/2006/math">
+                      <m:r>
+                        <a:rPr lang="pt-PT" i="1" smtClean="0">
+                          <a:latin typeface="Cambria Math" panose="02040503050406030204" pitchFamily="18" charset="0"/>
+                          <a:ea typeface="Cambria Math" panose="02040503050406030204" pitchFamily="18" charset="0"/>
+                        </a:rPr>
+                        <m:t>𝜏</m:t>
+                      </m:r>
+                      <m:r>
+                        <a:rPr lang="en-US" b="0" i="1" smtClean="0">
+                          <a:latin typeface="Cambria Math" panose="02040503050406030204" pitchFamily="18" charset="0"/>
+                          <a:ea typeface="Cambria Math" panose="02040503050406030204" pitchFamily="18" charset="0"/>
+                        </a:rPr>
+                        <m:t>𝑐</m:t>
+                      </m:r>
+                      <m:r>
+                        <a:rPr lang="en-US" b="0" i="1" smtClean="0">
+                          <a:latin typeface="Cambria Math" panose="02040503050406030204" pitchFamily="18" charset="0"/>
+                          <a:ea typeface="Cambria Math" panose="02040503050406030204" pitchFamily="18" charset="0"/>
+                        </a:rPr>
+                        <m:t>2=−</m:t>
+                      </m:r>
+                      <m:f>
+                        <m:fPr>
+                          <m:ctrlPr>
+                            <a:rPr lang="en-US" b="0" i="1" smtClean="0">
+                              <a:latin typeface="Cambria Math" panose="02040503050406030204" pitchFamily="18" charset="0"/>
+                              <a:ea typeface="Cambria Math" panose="02040503050406030204" pitchFamily="18" charset="0"/>
+                            </a:rPr>
+                          </m:ctrlPr>
+                        </m:fPr>
+                        <m:num>
+                          <m:r>
+                            <a:rPr lang="en-US" b="0" i="1" smtClean="0">
+                              <a:latin typeface="Cambria Math" panose="02040503050406030204" pitchFamily="18" charset="0"/>
+                              <a:ea typeface="Cambria Math" panose="02040503050406030204" pitchFamily="18" charset="0"/>
+                            </a:rPr>
+                            <m:t>1</m:t>
+                          </m:r>
+                        </m:num>
+                        <m:den>
+                          <m:r>
+                            <a:rPr lang="en-US" b="0" i="1" smtClean="0">
+                              <a:latin typeface="Cambria Math" panose="02040503050406030204" pitchFamily="18" charset="0"/>
+                              <a:ea typeface="Cambria Math" panose="02040503050406030204" pitchFamily="18" charset="0"/>
+                            </a:rPr>
+                            <m:t>−0.1</m:t>
+                          </m:r>
+                        </m:den>
+                      </m:f>
+                      <m:r>
+                        <a:rPr lang="en-US" b="0" i="1" smtClean="0">
+                          <a:latin typeface="Cambria Math" panose="02040503050406030204" pitchFamily="18" charset="0"/>
+                          <a:ea typeface="Cambria Math" panose="02040503050406030204" pitchFamily="18" charset="0"/>
+                        </a:rPr>
+                        <m:t>=</m:t>
+                      </m:r>
+                      <m:r>
+                        <a:rPr lang="en-US" b="0" i="0" smtClean="0">
+                          <a:latin typeface="Cambria Math" panose="02040503050406030204" pitchFamily="18" charset="0"/>
+                          <a:ea typeface="Cambria Math" panose="02040503050406030204" pitchFamily="18" charset="0"/>
+                        </a:rPr>
+                        <m:t>10</m:t>
+                      </m:r>
+                    </m:oMath>
+                  </m:oMathPara>
+                </a14:m>
+                <a:endParaRPr lang="pt-PT" dirty="0"/>
+              </a:p>
+            </p:txBody>
+          </p:sp>
+        </mc:Choice>
+        <mc:Fallback xmlns="">
+          <p:sp>
+            <p:nvSpPr>
+              <p:cNvPr id="9" name="TextBox 8">
+                <a:extLst>
+                  <a:ext uri="{FF2B5EF4-FFF2-40B4-BE49-F238E27FC236}">
+                    <a16:creationId xmlns:a16="http://schemas.microsoft.com/office/drawing/2014/main" id="{DD0EB6CD-A1B0-1A5D-BAF3-46DE70C3BBD3}"/>
+                  </a:ext>
+                </a:extLst>
+              </p:cNvPr>
+              <p:cNvSpPr txBox="1">
+                <a:spLocks noRot="1" noChangeAspect="1" noMove="1" noResize="1" noEditPoints="1" noAdjustHandles="1" noChangeArrowheads="1" noChangeShapeType="1" noTextEdit="1"/>
+              </p:cNvSpPr>
+              <p:nvPr/>
+            </p:nvSpPr>
+            <p:spPr>
+              <a:xfrm>
+                <a:off x="4178894" y="1275657"/>
+                <a:ext cx="2093719" cy="612732"/>
+              </a:xfrm>
+              <a:prstGeom prst="rect">
+                <a:avLst/>
+              </a:prstGeom>
+              <a:blipFill>
+                <a:blip r:embed="rId4"/>
+                <a:stretch>
+                  <a:fillRect/>
+                </a:stretch>
+              </a:blipFill>
+            </p:spPr>
+            <p:txBody>
+              <a:bodyPr/>
+              <a:lstStyle/>
+              <a:p>
+                <a:r>
+                  <a:rPr lang="pt-PT">
+                    <a:noFill/>
+                  </a:rPr>
+                  <a:t> </a:t>
+                </a:r>
+              </a:p>
+            </p:txBody>
+          </p:sp>
+        </mc:Fallback>
+      </mc:AlternateContent>
+      <p:sp>
+        <p:nvSpPr>
+          <p:cNvPr id="10" name="TextBox 9">
+            <a:extLst>
+              <a:ext uri="{FF2B5EF4-FFF2-40B4-BE49-F238E27FC236}">
+                <a16:creationId xmlns:a16="http://schemas.microsoft.com/office/drawing/2014/main" id="{DF7D4270-0E7C-F2DE-7235-E6864D21CE88}"/>
               </a:ext>
             </a:extLst>
           </p:cNvPr>
@@ -5930,8 +6156,8 @@
         </p:nvSpPr>
         <p:spPr>
           <a:xfrm>
-            <a:off x="657838" y="4853257"/>
-            <a:ext cx="3205429" cy="276999"/>
+            <a:off x="4187440" y="2022285"/>
+            <a:ext cx="5732275" cy="369332"/>
           </a:xfrm>
           <a:prstGeom prst="rect">
             <a:avLst/>
@@ -5945,43 +6171,355 @@
           <a:lstStyle/>
           <a:p>
             <a:r>
-              <a:rPr lang="en-US" sz="1200" dirty="0" err="1"/>
-              <a:t>Mapa</a:t>
-            </a:r>
-            <a:r>
-              <a:rPr lang="en-US" sz="1200" dirty="0"/>
-              <a:t> PZ </a:t>
-            </a:r>
-            <a:r>
-              <a:rPr lang="en-US" sz="1200" dirty="0" err="1"/>
-              <a:t>Função</a:t>
-            </a:r>
-            <a:r>
-              <a:rPr lang="en-US" sz="1200" dirty="0"/>
-              <a:t> de </a:t>
-            </a:r>
-            <a:r>
-              <a:rPr lang="en-US" sz="1200" dirty="0" err="1"/>
-              <a:t>Transferência</a:t>
-            </a:r>
-            <a:r>
-              <a:rPr lang="en-US" sz="1200" dirty="0"/>
-              <a:t> 3ª </a:t>
-            </a:r>
-            <a:r>
-              <a:rPr lang="en-US" sz="1200" dirty="0" err="1"/>
-              <a:t>ordem</a:t>
-            </a:r>
-            <a:endParaRPr lang="pt-PT" sz="1200" dirty="0"/>
-          </a:p>
-        </p:txBody>
-      </p:sp>
-      <p:sp>
-        <p:nvSpPr>
-          <p:cNvPr id="11" name="TextBox 10">
-            <a:extLst>
-              <a:ext uri="{FF2B5EF4-FFF2-40B4-BE49-F238E27FC236}">
-                <a16:creationId xmlns:a16="http://schemas.microsoft.com/office/drawing/2014/main" id="{359CEC83-BFAF-CE00-90E0-27A685DFC827}"/>
+              <a:rPr lang="en-US" dirty="0" err="1"/>
+              <a:t>Atrav</a:t>
+            </a:r>
+            <a:r>
+              <a:rPr lang="pt-PT" dirty="0"/>
+              <a:t>és destes valores obtivemos KC através da FTCF</a:t>
+            </a:r>
+          </a:p>
+        </p:txBody>
+      </p:sp>
+      <mc:AlternateContent xmlns:mc="http://schemas.openxmlformats.org/markup-compatibility/2006" xmlns:a14="http://schemas.microsoft.com/office/drawing/2010/main">
+        <mc:Choice Requires="a14">
+          <p:sp>
+            <p:nvSpPr>
+              <p:cNvPr id="11" name="TextBox 10">
+                <a:extLst>
+                  <a:ext uri="{FF2B5EF4-FFF2-40B4-BE49-F238E27FC236}">
+                    <a16:creationId xmlns:a16="http://schemas.microsoft.com/office/drawing/2014/main" id="{B3810573-0116-F468-4E35-9ED6AE7430E7}"/>
+                  </a:ext>
+                </a:extLst>
+              </p:cNvPr>
+              <p:cNvSpPr txBox="1"/>
+              <p:nvPr/>
+            </p:nvSpPr>
+            <p:spPr>
+              <a:xfrm>
+                <a:off x="4178894" y="2550513"/>
+                <a:ext cx="1191865" cy="518604"/>
+              </a:xfrm>
+              <a:prstGeom prst="rect">
+                <a:avLst/>
+              </a:prstGeom>
+              <a:noFill/>
+            </p:spPr>
+            <p:txBody>
+              <a:bodyPr wrap="none" lIns="0" tIns="0" rIns="0" bIns="0" rtlCol="0">
+                <a:spAutoFit/>
+              </a:bodyPr>
+              <a:lstStyle/>
+              <a:p>
+                <a:pPr/>
+                <a14:m>
+                  <m:oMathPara xmlns:m="http://schemas.openxmlformats.org/officeDocument/2006/math">
+                    <m:oMathParaPr>
+                      <m:jc m:val="centerGroup"/>
+                    </m:oMathParaPr>
+                    <m:oMath xmlns:m="http://schemas.openxmlformats.org/officeDocument/2006/math">
+                      <m:r>
+                        <a:rPr lang="en-US" b="0" i="1" smtClean="0">
+                          <a:latin typeface="Cambria Math" panose="02040503050406030204" pitchFamily="18" charset="0"/>
+                        </a:rPr>
+                        <m:t>𝑊</m:t>
+                      </m:r>
+                      <m:r>
+                        <a:rPr lang="en-US" b="0" i="1" smtClean="0">
+                          <a:latin typeface="Cambria Math" panose="02040503050406030204" pitchFamily="18" charset="0"/>
+                        </a:rPr>
+                        <m:t>0=</m:t>
+                      </m:r>
+                      <m:f>
+                        <m:fPr>
+                          <m:ctrlPr>
+                            <a:rPr lang="en-US" b="0" i="1" smtClean="0">
+                              <a:latin typeface="Cambria Math" panose="02040503050406030204" pitchFamily="18" charset="0"/>
+                            </a:rPr>
+                          </m:ctrlPr>
+                        </m:fPr>
+                        <m:num>
+                          <m:r>
+                            <a:rPr lang="en-US" b="0" i="1" smtClean="0">
+                              <a:latin typeface="Cambria Math" panose="02040503050406030204" pitchFamily="18" charset="0"/>
+                            </a:rPr>
+                            <m:t>𝑇𝐶</m:t>
+                          </m:r>
+                          <m:r>
+                            <a:rPr lang="en-US" b="0" i="1" smtClean="0">
+                              <a:latin typeface="Cambria Math" panose="02040503050406030204" pitchFamily="18" charset="0"/>
+                            </a:rPr>
+                            <m:t>3</m:t>
+                          </m:r>
+                        </m:num>
+                        <m:den>
+                          <m:r>
+                            <a:rPr lang="en-US" b="0" i="1" smtClean="0">
+                              <a:latin typeface="Cambria Math" panose="02040503050406030204" pitchFamily="18" charset="0"/>
+                            </a:rPr>
+                            <m:t>2∗</m:t>
+                          </m:r>
+                          <m:r>
+                            <a:rPr lang="en-US" b="0" i="1" smtClean="0">
+                              <a:latin typeface="Cambria Math" panose="02040503050406030204" pitchFamily="18" charset="0"/>
+                            </a:rPr>
+                            <m:t>𝑍</m:t>
+                          </m:r>
+                        </m:den>
+                      </m:f>
+                    </m:oMath>
+                  </m:oMathPara>
+                </a14:m>
+                <a:endParaRPr lang="en-US" b="0" dirty="0"/>
+              </a:p>
+            </p:txBody>
+          </p:sp>
+        </mc:Choice>
+        <mc:Fallback xmlns="">
+          <p:sp>
+            <p:nvSpPr>
+              <p:cNvPr id="11" name="TextBox 10">
+                <a:extLst>
+                  <a:ext uri="{FF2B5EF4-FFF2-40B4-BE49-F238E27FC236}">
+                    <a16:creationId xmlns:a16="http://schemas.microsoft.com/office/drawing/2014/main" id="{B3810573-0116-F468-4E35-9ED6AE7430E7}"/>
+                  </a:ext>
+                </a:extLst>
+              </p:cNvPr>
+              <p:cNvSpPr txBox="1">
+                <a:spLocks noRot="1" noChangeAspect="1" noMove="1" noResize="1" noEditPoints="1" noAdjustHandles="1" noChangeArrowheads="1" noChangeShapeType="1" noTextEdit="1"/>
+              </p:cNvSpPr>
+              <p:nvPr/>
+            </p:nvSpPr>
+            <p:spPr>
+              <a:xfrm>
+                <a:off x="4178894" y="2550513"/>
+                <a:ext cx="1191865" cy="518604"/>
+              </a:xfrm>
+              <a:prstGeom prst="rect">
+                <a:avLst/>
+              </a:prstGeom>
+              <a:blipFill>
+                <a:blip r:embed="rId5"/>
+                <a:stretch>
+                  <a:fillRect/>
+                </a:stretch>
+              </a:blipFill>
+            </p:spPr>
+            <p:txBody>
+              <a:bodyPr/>
+              <a:lstStyle/>
+              <a:p>
+                <a:r>
+                  <a:rPr lang="pt-PT">
+                    <a:noFill/>
+                  </a:rPr>
+                  <a:t> </a:t>
+                </a:r>
+              </a:p>
+            </p:txBody>
+          </p:sp>
+        </mc:Fallback>
+      </mc:AlternateContent>
+      <mc:AlternateContent xmlns:mc="http://schemas.openxmlformats.org/markup-compatibility/2006" xmlns:a14="http://schemas.microsoft.com/office/drawing/2010/main">
+        <mc:Choice Requires="a14">
+          <p:sp>
+            <p:nvSpPr>
+              <p:cNvPr id="13" name="TextBox 12">
+                <a:extLst>
+                  <a:ext uri="{FF2B5EF4-FFF2-40B4-BE49-F238E27FC236}">
+                    <a16:creationId xmlns:a16="http://schemas.microsoft.com/office/drawing/2014/main" id="{FBA11397-D753-97CA-6D87-60985CE4C21D}"/>
+                  </a:ext>
+                </a:extLst>
+              </p:cNvPr>
+              <p:cNvSpPr txBox="1"/>
+              <p:nvPr/>
+            </p:nvSpPr>
+            <p:spPr>
+              <a:xfrm>
+                <a:off x="4178894" y="3113007"/>
+                <a:ext cx="1717072" cy="581185"/>
+              </a:xfrm>
+              <a:prstGeom prst="rect">
+                <a:avLst/>
+              </a:prstGeom>
+              <a:noFill/>
+            </p:spPr>
+            <p:txBody>
+              <a:bodyPr wrap="none" lIns="0" tIns="0" rIns="0" bIns="0" rtlCol="0">
+                <a:spAutoFit/>
+              </a:bodyPr>
+              <a:lstStyle/>
+              <a:p>
+                <a:pPr/>
+                <a14:m>
+                  <m:oMathPara xmlns:m="http://schemas.openxmlformats.org/officeDocument/2006/math">
+                    <m:oMathParaPr>
+                      <m:jc m:val="centerGroup"/>
+                    </m:oMathParaPr>
+                    <m:oMath xmlns:m="http://schemas.openxmlformats.org/officeDocument/2006/math">
+                      <m:r>
+                        <a:rPr lang="en-US" b="0" i="1" smtClean="0">
+                          <a:latin typeface="Cambria Math" panose="02040503050406030204" pitchFamily="18" charset="0"/>
+                        </a:rPr>
+                        <m:t>𝐾𝑐</m:t>
+                      </m:r>
+                      <m:r>
+                        <a:rPr lang="en-US" b="0" i="1" smtClean="0">
+                          <a:latin typeface="Cambria Math" panose="02040503050406030204" pitchFamily="18" charset="0"/>
+                        </a:rPr>
+                        <m:t>=</m:t>
+                      </m:r>
+                      <m:f>
+                        <m:fPr>
+                          <m:ctrlPr>
+                            <a:rPr lang="en-US" b="0" i="1" smtClean="0">
+                              <a:latin typeface="Cambria Math" panose="02040503050406030204" pitchFamily="18" charset="0"/>
+                            </a:rPr>
+                          </m:ctrlPr>
+                        </m:fPr>
+                        <m:num>
+                          <m:r>
+                            <a:rPr lang="en-US" b="0" i="1" smtClean="0">
+                              <a:latin typeface="Cambria Math" panose="02040503050406030204" pitchFamily="18" charset="0"/>
+                            </a:rPr>
+                            <m:t>𝑊</m:t>
+                          </m:r>
+                          <m:sSup>
+                            <m:sSupPr>
+                              <m:ctrlPr>
+                                <a:rPr lang="en-US" b="0" i="1" smtClean="0">
+                                  <a:latin typeface="Cambria Math" panose="02040503050406030204" pitchFamily="18" charset="0"/>
+                                </a:rPr>
+                              </m:ctrlPr>
+                            </m:sSupPr>
+                            <m:e>
+                              <m:r>
+                                <a:rPr lang="en-US" b="0" i="1" smtClean="0">
+                                  <a:latin typeface="Cambria Math" panose="02040503050406030204" pitchFamily="18" charset="0"/>
+                                </a:rPr>
+                                <m:t>0</m:t>
+                              </m:r>
+                            </m:e>
+                            <m:sup>
+                              <m:r>
+                                <a:rPr lang="en-US" b="0" i="1" smtClean="0">
+                                  <a:latin typeface="Cambria Math" panose="02040503050406030204" pitchFamily="18" charset="0"/>
+                                </a:rPr>
+                                <m:t>2</m:t>
+                              </m:r>
+                            </m:sup>
+                          </m:sSup>
+                          <m:r>
+                            <a:rPr lang="en-US" b="0" i="1" smtClean="0">
+                              <a:latin typeface="Cambria Math" panose="02040503050406030204" pitchFamily="18" charset="0"/>
+                            </a:rPr>
+                            <m:t>∗</m:t>
+                          </m:r>
+                          <m:r>
+                            <a:rPr lang="en-US" b="0" i="1" smtClean="0">
+                              <a:latin typeface="Cambria Math" panose="02040503050406030204" pitchFamily="18" charset="0"/>
+                            </a:rPr>
+                            <m:t>𝑇𝐶</m:t>
+                          </m:r>
+                          <m:r>
+                            <a:rPr lang="en-US" b="0" i="1" smtClean="0">
+                              <a:latin typeface="Cambria Math" panose="02040503050406030204" pitchFamily="18" charset="0"/>
+                            </a:rPr>
+                            <m:t>3</m:t>
+                          </m:r>
+                        </m:num>
+                        <m:den>
+                          <m:r>
+                            <a:rPr lang="en-US" b="0" i="1" smtClean="0">
+                              <a:latin typeface="Cambria Math" panose="02040503050406030204" pitchFamily="18" charset="0"/>
+                            </a:rPr>
+                            <m:t>𝐴</m:t>
+                          </m:r>
+                          <m:r>
+                            <a:rPr lang="en-US" b="0" i="1" smtClean="0">
+                              <a:latin typeface="Cambria Math" panose="02040503050406030204" pitchFamily="18" charset="0"/>
+                            </a:rPr>
+                            <m:t>∗</m:t>
+                          </m:r>
+                          <m:r>
+                            <a:rPr lang="en-US" b="0" i="1" smtClean="0">
+                              <a:latin typeface="Cambria Math" panose="02040503050406030204" pitchFamily="18" charset="0"/>
+                            </a:rPr>
+                            <m:t>𝐾𝑃</m:t>
+                          </m:r>
+                          <m:r>
+                            <a:rPr lang="en-US" b="0" i="1" smtClean="0">
+                              <a:latin typeface="Cambria Math" panose="02040503050406030204" pitchFamily="18" charset="0"/>
+                            </a:rPr>
+                            <m:t>_</m:t>
+                          </m:r>
+                          <m:r>
+                            <a:rPr lang="en-US" b="0" i="1" smtClean="0">
+                              <a:latin typeface="Cambria Math" panose="02040503050406030204" pitchFamily="18" charset="0"/>
+                            </a:rPr>
+                            <m:t>𝑖𝑛</m:t>
+                          </m:r>
+                        </m:den>
+                      </m:f>
+                    </m:oMath>
+                  </m:oMathPara>
+                </a14:m>
+                <a:endParaRPr lang="pt-PT" dirty="0"/>
+              </a:p>
+            </p:txBody>
+          </p:sp>
+        </mc:Choice>
+        <mc:Fallback xmlns="">
+          <p:sp>
+            <p:nvSpPr>
+              <p:cNvPr id="13" name="TextBox 12">
+                <a:extLst>
+                  <a:ext uri="{FF2B5EF4-FFF2-40B4-BE49-F238E27FC236}">
+                    <a16:creationId xmlns:a16="http://schemas.microsoft.com/office/drawing/2014/main" id="{FBA11397-D753-97CA-6D87-60985CE4C21D}"/>
+                  </a:ext>
+                </a:extLst>
+              </p:cNvPr>
+              <p:cNvSpPr txBox="1">
+                <a:spLocks noRot="1" noChangeAspect="1" noMove="1" noResize="1" noEditPoints="1" noAdjustHandles="1" noChangeArrowheads="1" noChangeShapeType="1" noTextEdit="1"/>
+              </p:cNvSpPr>
+              <p:nvPr/>
+            </p:nvSpPr>
+            <p:spPr>
+              <a:xfrm>
+                <a:off x="4178894" y="3113007"/>
+                <a:ext cx="1717072" cy="581185"/>
+              </a:xfrm>
+              <a:prstGeom prst="rect">
+                <a:avLst/>
+              </a:prstGeom>
+              <a:blipFill>
+                <a:blip r:embed="rId6"/>
+                <a:stretch>
+                  <a:fillRect/>
+                </a:stretch>
+              </a:blipFill>
+            </p:spPr>
+            <p:txBody>
+              <a:bodyPr/>
+              <a:lstStyle/>
+              <a:p>
+                <a:r>
+                  <a:rPr lang="pt-PT">
+                    <a:noFill/>
+                  </a:rPr>
+                  <a:t> </a:t>
+                </a:r>
+              </a:p>
+            </p:txBody>
+          </p:sp>
+        </mc:Fallback>
+      </mc:AlternateContent>
+      <p:sp>
+        <p:nvSpPr>
+          <p:cNvPr id="14" name="TextBox 13">
+            <a:extLst>
+              <a:ext uri="{FF2B5EF4-FFF2-40B4-BE49-F238E27FC236}">
+                <a16:creationId xmlns:a16="http://schemas.microsoft.com/office/drawing/2014/main" id="{4959C006-6832-9D2D-5E47-56C709A87BED}"/>
               </a:ext>
             </a:extLst>
           </p:cNvPr>
@@ -5990,8 +6528,8 @@
         </p:nvSpPr>
         <p:spPr>
           <a:xfrm>
-            <a:off x="4351664" y="4869594"/>
-            <a:ext cx="3559885" cy="276999"/>
+            <a:off x="6096000" y="3113007"/>
+            <a:ext cx="2697598" cy="369332"/>
           </a:xfrm>
           <a:prstGeom prst="rect">
             <a:avLst/>
@@ -6005,51 +6543,23 @@
           <a:lstStyle/>
           <a:p>
             <a:r>
-              <a:rPr lang="en-US" sz="1200" dirty="0" err="1"/>
-              <a:t>Mapa</a:t>
-            </a:r>
-            <a:r>
-              <a:rPr lang="en-US" sz="1200" dirty="0"/>
-              <a:t> PZ </a:t>
-            </a:r>
-            <a:r>
-              <a:rPr lang="en-US" sz="1200" dirty="0" err="1"/>
-              <a:t>Função</a:t>
-            </a:r>
-            <a:r>
-              <a:rPr lang="en-US" sz="1200" dirty="0"/>
-              <a:t> de </a:t>
-            </a:r>
-            <a:r>
-              <a:rPr lang="en-US" sz="1200" dirty="0" err="1"/>
-              <a:t>Transferência</a:t>
-            </a:r>
-            <a:r>
-              <a:rPr lang="en-US" sz="1200" dirty="0"/>
-              <a:t> </a:t>
-            </a:r>
-            <a:r>
-              <a:rPr lang="en-US" sz="1200" dirty="0" err="1"/>
-              <a:t>Cadeia</a:t>
-            </a:r>
-            <a:r>
-              <a:rPr lang="en-US" sz="1200" dirty="0"/>
-              <a:t> </a:t>
-            </a:r>
-            <a:r>
-              <a:rPr lang="en-US" sz="1200" dirty="0" err="1"/>
-              <a:t>Aberta</a:t>
-            </a:r>
-            <a:endParaRPr lang="pt-PT" sz="1200" dirty="0"/>
-          </a:p>
-        </p:txBody>
-      </p:sp>
-      <p:sp>
-        <p:nvSpPr>
-          <p:cNvPr id="12" name="TextBox 11">
-            <a:extLst>
-              <a:ext uri="{FF2B5EF4-FFF2-40B4-BE49-F238E27FC236}">
-                <a16:creationId xmlns:a16="http://schemas.microsoft.com/office/drawing/2014/main" id="{868121DC-2BA8-FFDB-7D02-9215602BDF95}"/>
+              <a:rPr lang="en-US" dirty="0" err="1"/>
+              <a:t>Sendo</a:t>
+            </a:r>
+            <a:r>
+              <a:rPr lang="en-US" dirty="0"/>
+              <a:t> que A=KMRV*R3</a:t>
+            </a:r>
+            <a:endParaRPr lang="pt-PT" dirty="0"/>
+          </a:p>
+        </p:txBody>
+      </p:sp>
+      <p:sp>
+        <p:nvSpPr>
+          <p:cNvPr id="15" name="TextBox 14">
+            <a:extLst>
+              <a:ext uri="{FF2B5EF4-FFF2-40B4-BE49-F238E27FC236}">
+                <a16:creationId xmlns:a16="http://schemas.microsoft.com/office/drawing/2014/main" id="{FAC4F27B-85BB-870E-333C-DABF356A9BB7}"/>
               </a:ext>
             </a:extLst>
           </p:cNvPr>
@@ -6057,9 +6567,9 @@
           <p:nvPr/>
         </p:nvSpPr>
         <p:spPr>
-          <a:xfrm>
-            <a:off x="8121024" y="4869594"/>
-            <a:ext cx="3683765" cy="276999"/>
+          <a:xfrm flipH="1">
+            <a:off x="4178894" y="3872303"/>
+            <a:ext cx="1851448" cy="369332"/>
           </a:xfrm>
           <a:prstGeom prst="rect">
             <a:avLst/>
@@ -6067,55 +6577,23 @@
           <a:noFill/>
         </p:spPr>
         <p:txBody>
-          <a:bodyPr wrap="none" rtlCol="0">
+          <a:bodyPr wrap="square" rtlCol="0">
             <a:spAutoFit/>
           </a:bodyPr>
           <a:lstStyle/>
           <a:p>
             <a:r>
-              <a:rPr lang="en-US" sz="1200" dirty="0" err="1"/>
-              <a:t>Mapa</a:t>
-            </a:r>
-            <a:r>
-              <a:rPr lang="en-US" sz="1200" dirty="0"/>
-              <a:t> PZ </a:t>
-            </a:r>
-            <a:r>
-              <a:rPr lang="en-US" sz="1200" dirty="0" err="1"/>
-              <a:t>Função</a:t>
-            </a:r>
-            <a:r>
-              <a:rPr lang="en-US" sz="1200" dirty="0"/>
-              <a:t> de </a:t>
-            </a:r>
-            <a:r>
-              <a:rPr lang="en-US" sz="1200" dirty="0" err="1"/>
-              <a:t>Transferência</a:t>
-            </a:r>
-            <a:r>
-              <a:rPr lang="en-US" sz="1200" dirty="0"/>
-              <a:t> </a:t>
-            </a:r>
-            <a:r>
-              <a:rPr lang="en-US" sz="1200" dirty="0" err="1"/>
-              <a:t>Cadeia</a:t>
-            </a:r>
-            <a:r>
-              <a:rPr lang="en-US" sz="1200" dirty="0"/>
-              <a:t> </a:t>
-            </a:r>
-            <a:r>
-              <a:rPr lang="en-US" sz="1200" dirty="0" err="1"/>
-              <a:t>Fechada</a:t>
-            </a:r>
-            <a:endParaRPr lang="pt-PT" sz="1200" dirty="0"/>
+              <a:rPr lang="en-US" dirty="0"/>
+              <a:t>Kc=0.0023</a:t>
+            </a:r>
+            <a:endParaRPr lang="pt-PT" dirty="0"/>
           </a:p>
         </p:txBody>
       </p:sp>
     </p:spTree>
     <p:extLst>
       <p:ext uri="{BB962C8B-B14F-4D97-AF65-F5344CB8AC3E}">
-        <p14:creationId xmlns:p14="http://schemas.microsoft.com/office/powerpoint/2010/main" val="1228787955"/>
+        <p14:creationId xmlns:p14="http://schemas.microsoft.com/office/powerpoint/2010/main" val="2276607017"/>
       </p:ext>
     </p:extLst>
   </p:cSld>
@@ -6150,12 +6628,48 @@
           <a:chExt cx="0" cy="0"/>
         </a:xfrm>
       </p:grpSpPr>
+      <p:sp>
+        <p:nvSpPr>
+          <p:cNvPr id="10" name="TextBox 9">
+            <a:extLst>
+              <a:ext uri="{FF2B5EF4-FFF2-40B4-BE49-F238E27FC236}">
+                <a16:creationId xmlns:a16="http://schemas.microsoft.com/office/drawing/2014/main" id="{24BF5F38-A2F1-4703-0D21-64551B397097}"/>
+              </a:ext>
+            </a:extLst>
+          </p:cNvPr>
+          <p:cNvSpPr txBox="1"/>
+          <p:nvPr/>
+        </p:nvSpPr>
+        <p:spPr>
+          <a:xfrm>
+            <a:off x="247829" y="504828"/>
+            <a:ext cx="11767556" cy="584775"/>
+          </a:xfrm>
+          <a:prstGeom prst="rect">
+            <a:avLst/>
+          </a:prstGeom>
+          <a:noFill/>
+        </p:spPr>
+        <p:txBody>
+          <a:bodyPr wrap="square" rtlCol="0">
+            <a:spAutoFit/>
+          </a:bodyPr>
+          <a:lstStyle/>
+          <a:p>
+            <a:r>
+              <a:rPr lang="pt-PT" sz="1600"/>
+              <a:t>Com a ajuda de mapas pólos-zeros, e após dimensionamento do controlador PID, foi possível calcular a FTCA e de seguida a FTCF</a:t>
+            </a:r>
+            <a:endParaRPr lang="pt-PT" sz="1600" dirty="0"/>
+          </a:p>
+        </p:txBody>
+      </p:sp>
       <p:pic>
         <p:nvPicPr>
-          <p:cNvPr id="13" name="Picture 12" descr="Chart&#10;&#10;Description automatically generated">
-            <a:extLst>
-              <a:ext uri="{FF2B5EF4-FFF2-40B4-BE49-F238E27FC236}">
-                <a16:creationId xmlns:a16="http://schemas.microsoft.com/office/drawing/2014/main" id="{99B1DF73-D75F-2375-FDE6-1C5F94488CC1}"/>
+          <p:cNvPr id="3" name="Picture 2">
+            <a:extLst>
+              <a:ext uri="{FF2B5EF4-FFF2-40B4-BE49-F238E27FC236}">
+                <a16:creationId xmlns:a16="http://schemas.microsoft.com/office/drawing/2014/main" id="{28E09597-61D8-99AC-213B-04B83510C738}"/>
               </a:ext>
             </a:extLst>
           </p:cNvPr>
@@ -6165,27 +6679,59 @@
           <p:nvPr/>
         </p:nvPicPr>
         <p:blipFill>
-          <a:blip r:embed="rId2">
-            <a:extLst>
-              <a:ext uri="{28A0092B-C50C-407E-A947-70E740481C1C}">
-                <a14:useLocalDpi xmlns:a14="http://schemas.microsoft.com/office/drawing/2010/main" val="0"/>
-              </a:ext>
-            </a:extLst>
-          </a:blip>
+          <a:blip r:embed="rId2"/>
           <a:stretch>
             <a:fillRect/>
           </a:stretch>
         </p:blipFill>
         <p:spPr>
           <a:xfrm>
-            <a:off x="902868" y="3862715"/>
-            <a:ext cx="4099269" cy="2808000"/>
+            <a:off x="2349683" y="1880482"/>
+            <a:ext cx="7492633" cy="3097036"/>
           </a:xfrm>
           <a:prstGeom prst="rect">
             <a:avLst/>
           </a:prstGeom>
         </p:spPr>
       </p:pic>
+    </p:spTree>
+    <p:extLst>
+      <p:ext uri="{BB962C8B-B14F-4D97-AF65-F5344CB8AC3E}">
+        <p14:creationId xmlns:p14="http://schemas.microsoft.com/office/powerpoint/2010/main" val="1228787955"/>
+      </p:ext>
+    </p:extLst>
+  </p:cSld>
+  <p:clrMapOvr>
+    <a:masterClrMapping/>
+  </p:clrMapOvr>
+</p:sld>
+</file>
+
+<file path=ppt/slides/slide5.xml><?xml version="1.0" encoding="utf-8"?>
+<p:sld xmlns:a="http://schemas.openxmlformats.org/drawingml/2006/main" xmlns:r="http://schemas.openxmlformats.org/officeDocument/2006/relationships" xmlns:p="http://schemas.openxmlformats.org/presentationml/2006/main">
+  <p:cSld>
+    <p:bg>
+      <p:bgPr>
+        <a:solidFill>
+          <a:schemeClr val="bg1"/>
+        </a:solidFill>
+        <a:effectLst/>
+      </p:bgPr>
+    </p:bg>
+    <p:spTree>
+      <p:nvGrpSpPr>
+        <p:cNvPr id="1" name=""/>
+        <p:cNvGrpSpPr/>
+        <p:nvPr/>
+      </p:nvGrpSpPr>
+      <p:grpSpPr>
+        <a:xfrm>
+          <a:off x="0" y="0"/>
+          <a:ext cx="0" cy="0"/>
+          <a:chOff x="0" y="0"/>
+          <a:chExt cx="0" cy="0"/>
+        </a:xfrm>
+      </p:grpSpPr>
       <p:sp>
         <p:nvSpPr>
           <p:cNvPr id="37" name="Rectangle 33">
@@ -6252,42 +6798,6 @@
           </a:p>
         </p:txBody>
       </p:sp>
-      <p:pic>
-        <p:nvPicPr>
-          <p:cNvPr id="11" name="Picture 10" descr="A picture containing chart&#10;&#10;Description automatically generated">
-            <a:extLst>
-              <a:ext uri="{FF2B5EF4-FFF2-40B4-BE49-F238E27FC236}">
-                <a16:creationId xmlns:a16="http://schemas.microsoft.com/office/drawing/2014/main" id="{C2FB879E-3706-A3EA-43F8-1D50BD0FFAB1}"/>
-              </a:ext>
-            </a:extLst>
-          </p:cNvPr>
-          <p:cNvPicPr>
-            <a:picLocks noChangeAspect="1"/>
-          </p:cNvPicPr>
-          <p:nvPr/>
-        </p:nvPicPr>
-        <p:blipFill>
-          <a:blip r:embed="rId3">
-            <a:extLst>
-              <a:ext uri="{28A0092B-C50C-407E-A947-70E740481C1C}">
-                <a14:useLocalDpi xmlns:a14="http://schemas.microsoft.com/office/drawing/2010/main" val="0"/>
-              </a:ext>
-            </a:extLst>
-          </a:blip>
-          <a:stretch>
-            <a:fillRect/>
-          </a:stretch>
-        </p:blipFill>
-        <p:spPr>
-          <a:xfrm>
-            <a:off x="7171034" y="357166"/>
-            <a:ext cx="3927272" cy="2808000"/>
-          </a:xfrm>
-          <a:prstGeom prst="rect">
-            <a:avLst/>
-          </a:prstGeom>
-        </p:spPr>
-      </p:pic>
       <p:sp>
         <p:nvSpPr>
           <p:cNvPr id="36" name="Rectangle 35">
@@ -6420,78 +6930,6 @@
           </a:p>
         </p:txBody>
       </p:sp>
-      <p:pic>
-        <p:nvPicPr>
-          <p:cNvPr id="9" name="Picture 8" descr="A picture containing chart&#10;&#10;Description automatically generated">
-            <a:extLst>
-              <a:ext uri="{FF2B5EF4-FFF2-40B4-BE49-F238E27FC236}">
-                <a16:creationId xmlns:a16="http://schemas.microsoft.com/office/drawing/2014/main" id="{6549A564-8525-C521-F728-7C62BE7D03F4}"/>
-              </a:ext>
-            </a:extLst>
-          </p:cNvPr>
-          <p:cNvPicPr>
-            <a:picLocks noChangeAspect="1"/>
-          </p:cNvPicPr>
-          <p:nvPr/>
-        </p:nvPicPr>
-        <p:blipFill>
-          <a:blip r:embed="rId4">
-            <a:extLst>
-              <a:ext uri="{28A0092B-C50C-407E-A947-70E740481C1C}">
-                <a14:useLocalDpi xmlns:a14="http://schemas.microsoft.com/office/drawing/2010/main" val="0"/>
-              </a:ext>
-            </a:extLst>
-          </a:blip>
-          <a:stretch>
-            <a:fillRect/>
-          </a:stretch>
-        </p:blipFill>
-        <p:spPr>
-          <a:xfrm>
-            <a:off x="856981" y="357166"/>
-            <a:ext cx="4191045" cy="2808000"/>
-          </a:xfrm>
-          <a:prstGeom prst="rect">
-            <a:avLst/>
-          </a:prstGeom>
-        </p:spPr>
-      </p:pic>
-      <p:pic>
-        <p:nvPicPr>
-          <p:cNvPr id="7" name="Picture 6" descr="A screenshot of a computer&#10;&#10;Description automatically generated with medium confidence">
-            <a:extLst>
-              <a:ext uri="{FF2B5EF4-FFF2-40B4-BE49-F238E27FC236}">
-                <a16:creationId xmlns:a16="http://schemas.microsoft.com/office/drawing/2014/main" id="{7E631FA3-0282-5D6F-F35B-17CFC407C033}"/>
-              </a:ext>
-            </a:extLst>
-          </p:cNvPr>
-          <p:cNvPicPr>
-            <a:picLocks noChangeAspect="1"/>
-          </p:cNvPicPr>
-          <p:nvPr/>
-        </p:nvPicPr>
-        <p:blipFill>
-          <a:blip r:embed="rId5">
-            <a:extLst>
-              <a:ext uri="{28A0092B-C50C-407E-A947-70E740481C1C}">
-                <a14:useLocalDpi xmlns:a14="http://schemas.microsoft.com/office/drawing/2010/main" val="0"/>
-              </a:ext>
-            </a:extLst>
-          </a:blip>
-          <a:stretch>
-            <a:fillRect/>
-          </a:stretch>
-        </p:blipFill>
-        <p:spPr>
-          <a:xfrm>
-            <a:off x="7152497" y="3862715"/>
-            <a:ext cx="3952525" cy="2808000"/>
-          </a:xfrm>
-          <a:prstGeom prst="rect">
-            <a:avLst/>
-          </a:prstGeom>
-        </p:spPr>
-      </p:pic>
       <p:sp>
         <p:nvSpPr>
           <p:cNvPr id="14" name="TextBox 13">
@@ -6632,326 +7070,150 @@
           </a:p>
         </p:txBody>
       </p:sp>
-      <p:sp>
-        <p:nvSpPr>
-          <p:cNvPr id="2" name="TextBox 1">
-            <a:extLst>
-              <a:ext uri="{FF2B5EF4-FFF2-40B4-BE49-F238E27FC236}">
-                <a16:creationId xmlns:a16="http://schemas.microsoft.com/office/drawing/2014/main" id="{DB877C6F-C23A-A63E-F1CC-CED92D57D89D}"/>
-              </a:ext>
-            </a:extLst>
-          </p:cNvPr>
-          <p:cNvSpPr txBox="1"/>
+      <p:pic>
+        <p:nvPicPr>
+          <p:cNvPr id="4" name="Picture 3" descr="Chart, line chart&#10;&#10;Description automatically generated">
+            <a:extLst>
+              <a:ext uri="{FF2B5EF4-FFF2-40B4-BE49-F238E27FC236}">
+                <a16:creationId xmlns:a16="http://schemas.microsoft.com/office/drawing/2014/main" id="{1C6DC3EC-7C64-3D34-8B31-000D798FCFF3}"/>
+              </a:ext>
+            </a:extLst>
+          </p:cNvPr>
+          <p:cNvPicPr>
+            <a:picLocks noChangeAspect="1"/>
+          </p:cNvPicPr>
           <p:nvPr/>
-        </p:nvSpPr>
+        </p:nvPicPr>
+        <p:blipFill>
+          <a:blip r:embed="rId2">
+            <a:extLst>
+              <a:ext uri="{28A0092B-C50C-407E-A947-70E740481C1C}">
+                <a14:useLocalDpi xmlns:a14="http://schemas.microsoft.com/office/drawing/2010/main" val="0"/>
+              </a:ext>
+            </a:extLst>
+          </a:blip>
+          <a:stretch>
+            <a:fillRect/>
+          </a:stretch>
+        </p:blipFill>
         <p:spPr>
           <a:xfrm>
-            <a:off x="2641061" y="3151113"/>
-            <a:ext cx="768159" cy="246221"/>
+            <a:off x="999367" y="369332"/>
+            <a:ext cx="3906265" cy="2598092"/>
           </a:xfrm>
           <a:prstGeom prst="rect">
             <a:avLst/>
           </a:prstGeom>
-          <a:noFill/>
         </p:spPr>
-        <p:txBody>
-          <a:bodyPr wrap="none" rtlCol="0">
-            <a:spAutoFit/>
-          </a:bodyPr>
-          <a:lstStyle/>
-          <a:p>
-            <a:r>
-              <a:rPr lang="en-US" sz="1000" dirty="0"/>
-              <a:t>Tempo </a:t>
-            </a:r>
-            <a:r>
-              <a:rPr lang="pt-PT" sz="1000" dirty="0"/>
-              <a:t>(s)</a:t>
-            </a:r>
-            <a:endParaRPr lang="en-US" sz="1000" dirty="0"/>
-          </a:p>
-        </p:txBody>
-      </p:sp>
-      <p:sp>
-        <p:nvSpPr>
-          <p:cNvPr id="17" name="TextBox 16">
-            <a:extLst>
-              <a:ext uri="{FF2B5EF4-FFF2-40B4-BE49-F238E27FC236}">
-                <a16:creationId xmlns:a16="http://schemas.microsoft.com/office/drawing/2014/main" id="{83DCAD41-D78D-D12F-7B5E-BFB16667C218}"/>
-              </a:ext>
-            </a:extLst>
-          </p:cNvPr>
-          <p:cNvSpPr txBox="1"/>
+      </p:pic>
+      <p:pic>
+        <p:nvPicPr>
+          <p:cNvPr id="6" name="Picture 5" descr="Chart, line chart&#10;&#10;Description automatically generated">
+            <a:extLst>
+              <a:ext uri="{FF2B5EF4-FFF2-40B4-BE49-F238E27FC236}">
+                <a16:creationId xmlns:a16="http://schemas.microsoft.com/office/drawing/2014/main" id="{66D913C0-E730-B412-1251-77867E29DB5F}"/>
+              </a:ext>
+            </a:extLst>
+          </p:cNvPr>
+          <p:cNvPicPr>
+            <a:picLocks noChangeAspect="1"/>
+          </p:cNvPicPr>
           <p:nvPr/>
-        </p:nvSpPr>
+        </p:nvPicPr>
+        <p:blipFill>
+          <a:blip r:embed="rId3">
+            <a:extLst>
+              <a:ext uri="{28A0092B-C50C-407E-A947-70E740481C1C}">
+                <a14:useLocalDpi xmlns:a14="http://schemas.microsoft.com/office/drawing/2010/main" val="0"/>
+              </a:ext>
+            </a:extLst>
+          </a:blip>
+          <a:stretch>
+            <a:fillRect/>
+          </a:stretch>
+        </p:blipFill>
         <p:spPr>
           <a:xfrm>
-            <a:off x="2568420" y="6657503"/>
-            <a:ext cx="768159" cy="246221"/>
+            <a:off x="7276520" y="369332"/>
+            <a:ext cx="3559548" cy="2598719"/>
           </a:xfrm>
           <a:prstGeom prst="rect">
             <a:avLst/>
           </a:prstGeom>
-          <a:noFill/>
         </p:spPr>
-        <p:txBody>
-          <a:bodyPr wrap="none" rtlCol="0">
-            <a:spAutoFit/>
-          </a:bodyPr>
-          <a:lstStyle/>
-          <a:p>
-            <a:r>
-              <a:rPr lang="en-US" sz="1000" dirty="0"/>
-              <a:t>Tempo </a:t>
-            </a:r>
-            <a:r>
-              <a:rPr lang="pt-PT" sz="1000" dirty="0"/>
-              <a:t>(s)</a:t>
-            </a:r>
-            <a:endParaRPr lang="en-US" sz="1000" dirty="0"/>
-          </a:p>
-        </p:txBody>
-      </p:sp>
-      <p:sp>
-        <p:nvSpPr>
-          <p:cNvPr id="18" name="TextBox 17">
-            <a:extLst>
-              <a:ext uri="{FF2B5EF4-FFF2-40B4-BE49-F238E27FC236}">
-                <a16:creationId xmlns:a16="http://schemas.microsoft.com/office/drawing/2014/main" id="{8F6092A8-C7FA-BCDE-068D-6160EE2E9712}"/>
-              </a:ext>
-            </a:extLst>
-          </p:cNvPr>
-          <p:cNvSpPr txBox="1"/>
+      </p:pic>
+      <p:pic>
+        <p:nvPicPr>
+          <p:cNvPr id="10" name="Picture 9" descr="Chart, line chart&#10;&#10;Description automatically generated">
+            <a:extLst>
+              <a:ext uri="{FF2B5EF4-FFF2-40B4-BE49-F238E27FC236}">
+                <a16:creationId xmlns:a16="http://schemas.microsoft.com/office/drawing/2014/main" id="{3D753E92-0C72-68B0-C1CE-6F51157DB386}"/>
+              </a:ext>
+            </a:extLst>
+          </p:cNvPr>
+          <p:cNvPicPr>
+            <a:picLocks noChangeAspect="1"/>
+          </p:cNvPicPr>
           <p:nvPr/>
-        </p:nvSpPr>
+        </p:nvPicPr>
+        <p:blipFill>
+          <a:blip r:embed="rId4">
+            <a:extLst>
+              <a:ext uri="{28A0092B-C50C-407E-A947-70E740481C1C}">
+                <a14:useLocalDpi xmlns:a14="http://schemas.microsoft.com/office/drawing/2010/main" val="0"/>
+              </a:ext>
+            </a:extLst>
+          </a:blip>
+          <a:stretch>
+            <a:fillRect/>
+          </a:stretch>
+        </p:blipFill>
         <p:spPr>
           <a:xfrm>
-            <a:off x="8855421" y="3151113"/>
-            <a:ext cx="768159" cy="246221"/>
+            <a:off x="1265362" y="3873836"/>
+            <a:ext cx="3595755" cy="2520968"/>
           </a:xfrm>
           <a:prstGeom prst="rect">
             <a:avLst/>
           </a:prstGeom>
-          <a:noFill/>
         </p:spPr>
-        <p:txBody>
-          <a:bodyPr wrap="none" rtlCol="0">
-            <a:spAutoFit/>
-          </a:bodyPr>
-          <a:lstStyle/>
-          <a:p>
-            <a:r>
-              <a:rPr lang="en-US" sz="1000" dirty="0"/>
-              <a:t>Tempo </a:t>
-            </a:r>
-            <a:r>
-              <a:rPr lang="pt-PT" sz="1000" dirty="0"/>
-              <a:t>(s)</a:t>
-            </a:r>
-            <a:endParaRPr lang="en-US" sz="1000" dirty="0"/>
-          </a:p>
-        </p:txBody>
-      </p:sp>
-      <p:sp>
-        <p:nvSpPr>
-          <p:cNvPr id="19" name="TextBox 18">
-            <a:extLst>
-              <a:ext uri="{FF2B5EF4-FFF2-40B4-BE49-F238E27FC236}">
-                <a16:creationId xmlns:a16="http://schemas.microsoft.com/office/drawing/2014/main" id="{3941E8EF-D8D8-22BE-93F7-113C100E27E3}"/>
-              </a:ext>
-            </a:extLst>
-          </p:cNvPr>
-          <p:cNvSpPr txBox="1"/>
+      </p:pic>
+      <p:pic>
+        <p:nvPicPr>
+          <p:cNvPr id="15" name="Picture 14" descr="Chart, line chart&#10;&#10;Description automatically generated">
+            <a:extLst>
+              <a:ext uri="{FF2B5EF4-FFF2-40B4-BE49-F238E27FC236}">
+                <a16:creationId xmlns:a16="http://schemas.microsoft.com/office/drawing/2014/main" id="{FD82587A-F1D6-0419-C9A3-B1F7DF75A184}"/>
+              </a:ext>
+            </a:extLst>
+          </p:cNvPr>
+          <p:cNvPicPr>
+            <a:picLocks noChangeAspect="1"/>
+          </p:cNvPicPr>
           <p:nvPr/>
-        </p:nvSpPr>
+        </p:nvPicPr>
+        <p:blipFill>
+          <a:blip r:embed="rId5">
+            <a:extLst>
+              <a:ext uri="{28A0092B-C50C-407E-A947-70E740481C1C}">
+                <a14:useLocalDpi xmlns:a14="http://schemas.microsoft.com/office/drawing/2010/main" val="0"/>
+              </a:ext>
+            </a:extLst>
+          </a:blip>
+          <a:stretch>
+            <a:fillRect/>
+          </a:stretch>
+        </p:blipFill>
         <p:spPr>
           <a:xfrm>
-            <a:off x="8855421" y="6611779"/>
-            <a:ext cx="768159" cy="246221"/>
+            <a:off x="7463386" y="3844052"/>
+            <a:ext cx="3552223" cy="2494788"/>
           </a:xfrm>
           <a:prstGeom prst="rect">
             <a:avLst/>
           </a:prstGeom>
-          <a:noFill/>
         </p:spPr>
-        <p:txBody>
-          <a:bodyPr wrap="none" rtlCol="0">
-            <a:spAutoFit/>
-          </a:bodyPr>
-          <a:lstStyle/>
-          <a:p>
-            <a:r>
-              <a:rPr lang="en-US" sz="1000" dirty="0"/>
-              <a:t>Tempo </a:t>
-            </a:r>
-            <a:r>
-              <a:rPr lang="pt-PT" sz="1000" dirty="0"/>
-              <a:t>(s)</a:t>
-            </a:r>
-            <a:endParaRPr lang="en-US" sz="1000" dirty="0"/>
-          </a:p>
-        </p:txBody>
-      </p:sp>
-      <p:sp>
-        <p:nvSpPr>
-          <p:cNvPr id="20" name="TextBox 19">
-            <a:extLst>
-              <a:ext uri="{FF2B5EF4-FFF2-40B4-BE49-F238E27FC236}">
-                <a16:creationId xmlns:a16="http://schemas.microsoft.com/office/drawing/2014/main" id="{290A244F-D4F3-4550-21D8-91202D5784FF}"/>
-              </a:ext>
-            </a:extLst>
-          </p:cNvPr>
-          <p:cNvSpPr txBox="1"/>
-          <p:nvPr/>
-        </p:nvSpPr>
-        <p:spPr>
-          <a:xfrm rot="16200000">
-            <a:off x="205414" y="1622666"/>
-            <a:ext cx="833172" cy="276999"/>
-          </a:xfrm>
-          <a:prstGeom prst="rect">
-            <a:avLst/>
-          </a:prstGeom>
-          <a:noFill/>
-        </p:spPr>
-        <p:txBody>
-          <a:bodyPr wrap="square" rtlCol="0">
-            <a:spAutoFit/>
-          </a:bodyPr>
-          <a:lstStyle/>
-          <a:p>
-            <a:r>
-              <a:rPr lang="en-US" sz="1200" dirty="0" err="1"/>
-              <a:t>Nível</a:t>
-            </a:r>
-            <a:r>
-              <a:rPr lang="en-US" sz="1200" dirty="0"/>
-              <a:t> (m)</a:t>
-            </a:r>
-            <a:endParaRPr lang="pt-PT" sz="1200" dirty="0"/>
-          </a:p>
-        </p:txBody>
-      </p:sp>
-      <p:sp>
-        <p:nvSpPr>
-          <p:cNvPr id="21" name="TextBox 20">
-            <a:extLst>
-              <a:ext uri="{FF2B5EF4-FFF2-40B4-BE49-F238E27FC236}">
-                <a16:creationId xmlns:a16="http://schemas.microsoft.com/office/drawing/2014/main" id="{F0E53009-B29C-0354-7B7B-3F9BC2860377}"/>
-              </a:ext>
-            </a:extLst>
-          </p:cNvPr>
-          <p:cNvSpPr txBox="1"/>
-          <p:nvPr/>
-        </p:nvSpPr>
-        <p:spPr>
-          <a:xfrm rot="16200000">
-            <a:off x="6527818" y="1622667"/>
-            <a:ext cx="833172" cy="276999"/>
-          </a:xfrm>
-          <a:prstGeom prst="rect">
-            <a:avLst/>
-          </a:prstGeom>
-          <a:noFill/>
-        </p:spPr>
-        <p:txBody>
-          <a:bodyPr wrap="square" rtlCol="0">
-            <a:spAutoFit/>
-          </a:bodyPr>
-          <a:lstStyle/>
-          <a:p>
-            <a:r>
-              <a:rPr lang="en-US" sz="1200" dirty="0" err="1"/>
-              <a:t>Nível</a:t>
-            </a:r>
-            <a:r>
-              <a:rPr lang="en-US" sz="1200" dirty="0"/>
-              <a:t> (m)</a:t>
-            </a:r>
-            <a:endParaRPr lang="pt-PT" sz="1200" dirty="0"/>
-          </a:p>
-        </p:txBody>
-      </p:sp>
-      <p:sp>
-        <p:nvSpPr>
-          <p:cNvPr id="22" name="TextBox 21">
-            <a:extLst>
-              <a:ext uri="{FF2B5EF4-FFF2-40B4-BE49-F238E27FC236}">
-                <a16:creationId xmlns:a16="http://schemas.microsoft.com/office/drawing/2014/main" id="{ACB65D0F-6415-024E-8BCE-A5EB1DA2C9C9}"/>
-              </a:ext>
-            </a:extLst>
-          </p:cNvPr>
-          <p:cNvSpPr txBox="1"/>
-          <p:nvPr/>
-        </p:nvSpPr>
-        <p:spPr>
-          <a:xfrm rot="16200000">
-            <a:off x="6527817" y="5128215"/>
-            <a:ext cx="833172" cy="276999"/>
-          </a:xfrm>
-          <a:prstGeom prst="rect">
-            <a:avLst/>
-          </a:prstGeom>
-          <a:noFill/>
-        </p:spPr>
-        <p:txBody>
-          <a:bodyPr wrap="square" rtlCol="0">
-            <a:spAutoFit/>
-          </a:bodyPr>
-          <a:lstStyle/>
-          <a:p>
-            <a:r>
-              <a:rPr lang="en-US" sz="1200" dirty="0" err="1"/>
-              <a:t>Nível</a:t>
-            </a:r>
-            <a:r>
-              <a:rPr lang="en-US" sz="1200" dirty="0"/>
-              <a:t> (m)</a:t>
-            </a:r>
-            <a:endParaRPr lang="pt-PT" sz="1200" dirty="0"/>
-          </a:p>
-        </p:txBody>
-      </p:sp>
-      <p:sp>
-        <p:nvSpPr>
-          <p:cNvPr id="23" name="TextBox 22">
-            <a:extLst>
-              <a:ext uri="{FF2B5EF4-FFF2-40B4-BE49-F238E27FC236}">
-                <a16:creationId xmlns:a16="http://schemas.microsoft.com/office/drawing/2014/main" id="{E1D4F8B2-92AA-CA8F-DBC3-D53C09508C96}"/>
-              </a:ext>
-            </a:extLst>
-          </p:cNvPr>
-          <p:cNvSpPr txBox="1"/>
-          <p:nvPr/>
-        </p:nvSpPr>
-        <p:spPr>
-          <a:xfrm rot="16200000">
-            <a:off x="205414" y="5128216"/>
-            <a:ext cx="833172" cy="276999"/>
-          </a:xfrm>
-          <a:prstGeom prst="rect">
-            <a:avLst/>
-          </a:prstGeom>
-          <a:noFill/>
-        </p:spPr>
-        <p:txBody>
-          <a:bodyPr wrap="square" rtlCol="0">
-            <a:spAutoFit/>
-          </a:bodyPr>
-          <a:lstStyle/>
-          <a:p>
-            <a:r>
-              <a:rPr lang="en-US" sz="1200" dirty="0" err="1"/>
-              <a:t>Nível</a:t>
-            </a:r>
-            <a:r>
-              <a:rPr lang="en-US" sz="1200" dirty="0"/>
-              <a:t> (m)</a:t>
-            </a:r>
-            <a:endParaRPr lang="pt-PT" sz="1200" dirty="0"/>
-          </a:p>
-        </p:txBody>
-      </p:sp>
+      </p:pic>
     </p:spTree>
     <p:extLst>
       <p:ext uri="{BB962C8B-B14F-4D97-AF65-F5344CB8AC3E}">
@@ -6965,7 +7227,7 @@
 </p:sld>
 </file>
 
-<file path=ppt/slides/slide5.xml><?xml version="1.0" encoding="utf-8"?>
+<file path=ppt/slides/slide6.xml><?xml version="1.0" encoding="utf-8"?>
 <p:sld xmlns:a="http://schemas.openxmlformats.org/drawingml/2006/main" xmlns:r="http://schemas.openxmlformats.org/officeDocument/2006/relationships" xmlns:p="http://schemas.openxmlformats.org/presentationml/2006/main">
   <p:cSld>
     <p:bg>
@@ -6990,42 +7252,6 @@
           <a:chExt cx="0" cy="0"/>
         </a:xfrm>
       </p:grpSpPr>
-      <p:pic>
-        <p:nvPicPr>
-          <p:cNvPr id="9" name="Picture 8" descr="Chart, line chart&#10;&#10;Description automatically generated">
-            <a:extLst>
-              <a:ext uri="{FF2B5EF4-FFF2-40B4-BE49-F238E27FC236}">
-                <a16:creationId xmlns:a16="http://schemas.microsoft.com/office/drawing/2014/main" id="{AF5484CC-97D0-746F-A21C-A73201DC64E0}"/>
-              </a:ext>
-            </a:extLst>
-          </p:cNvPr>
-          <p:cNvPicPr>
-            <a:picLocks noChangeAspect="1"/>
-          </p:cNvPicPr>
-          <p:nvPr/>
-        </p:nvPicPr>
-        <p:blipFill>
-          <a:blip r:embed="rId2">
-            <a:extLst>
-              <a:ext uri="{28A0092B-C50C-407E-A947-70E740481C1C}">
-                <a14:useLocalDpi xmlns:a14="http://schemas.microsoft.com/office/drawing/2010/main" val="0"/>
-              </a:ext>
-            </a:extLst>
-          </a:blip>
-          <a:stretch>
-            <a:fillRect/>
-          </a:stretch>
-        </p:blipFill>
-        <p:spPr>
-          <a:xfrm>
-            <a:off x="901940" y="3848768"/>
-            <a:ext cx="4180100" cy="2805213"/>
-          </a:xfrm>
-          <a:prstGeom prst="rect">
-            <a:avLst/>
-          </a:prstGeom>
-        </p:spPr>
-      </p:pic>
       <p:sp>
         <p:nvSpPr>
           <p:cNvPr id="16" name="Rectangle 15">
@@ -7092,42 +7318,6 @@
           </a:p>
         </p:txBody>
       </p:sp>
-      <p:pic>
-        <p:nvPicPr>
-          <p:cNvPr id="7" name="Picture 6" descr="A picture containing chart&#10;&#10;Description automatically generated">
-            <a:extLst>
-              <a:ext uri="{FF2B5EF4-FFF2-40B4-BE49-F238E27FC236}">
-                <a16:creationId xmlns:a16="http://schemas.microsoft.com/office/drawing/2014/main" id="{72F56879-5898-0075-1858-9162492E984B}"/>
-              </a:ext>
-            </a:extLst>
-          </p:cNvPr>
-          <p:cNvPicPr>
-            <a:picLocks noChangeAspect="1"/>
-          </p:cNvPicPr>
-          <p:nvPr/>
-        </p:nvPicPr>
-        <p:blipFill>
-          <a:blip r:embed="rId3">
-            <a:extLst>
-              <a:ext uri="{28A0092B-C50C-407E-A947-70E740481C1C}">
-                <a14:useLocalDpi xmlns:a14="http://schemas.microsoft.com/office/drawing/2010/main" val="0"/>
-              </a:ext>
-            </a:extLst>
-          </a:blip>
-          <a:stretch>
-            <a:fillRect/>
-          </a:stretch>
-        </p:blipFill>
-        <p:spPr>
-          <a:xfrm>
-            <a:off x="7247067" y="465586"/>
-            <a:ext cx="3979685" cy="2760560"/>
-          </a:xfrm>
-          <a:prstGeom prst="rect">
-            <a:avLst/>
-          </a:prstGeom>
-        </p:spPr>
-      </p:pic>
       <p:sp>
         <p:nvSpPr>
           <p:cNvPr id="18" name="Rectangle 17">
@@ -7260,78 +7450,6 @@
           </a:p>
         </p:txBody>
       </p:sp>
-      <p:pic>
-        <p:nvPicPr>
-          <p:cNvPr id="5" name="Picture 4" descr="Chart&#10;&#10;Description automatically generated">
-            <a:extLst>
-              <a:ext uri="{FF2B5EF4-FFF2-40B4-BE49-F238E27FC236}">
-                <a16:creationId xmlns:a16="http://schemas.microsoft.com/office/drawing/2014/main" id="{D1389D4C-3A46-C4C9-82C9-01A9E6EA41FF}"/>
-              </a:ext>
-            </a:extLst>
-          </p:cNvPr>
-          <p:cNvPicPr>
-            <a:picLocks noChangeAspect="1"/>
-          </p:cNvPicPr>
-          <p:nvPr/>
-        </p:nvPicPr>
-        <p:blipFill>
-          <a:blip r:embed="rId4">
-            <a:extLst>
-              <a:ext uri="{28A0092B-C50C-407E-A947-70E740481C1C}">
-                <a14:useLocalDpi xmlns:a14="http://schemas.microsoft.com/office/drawing/2010/main" val="0"/>
-              </a:ext>
-            </a:extLst>
-          </a:blip>
-          <a:stretch>
-            <a:fillRect/>
-          </a:stretch>
-        </p:blipFill>
-        <p:spPr>
-          <a:xfrm>
-            <a:off x="939529" y="465586"/>
-            <a:ext cx="4104921" cy="2760560"/>
-          </a:xfrm>
-          <a:prstGeom prst="rect">
-            <a:avLst/>
-          </a:prstGeom>
-        </p:spPr>
-      </p:pic>
-      <p:pic>
-        <p:nvPicPr>
-          <p:cNvPr id="11" name="Picture 10" descr="Chart&#10;&#10;Description automatically generated">
-            <a:extLst>
-              <a:ext uri="{FF2B5EF4-FFF2-40B4-BE49-F238E27FC236}">
-                <a16:creationId xmlns:a16="http://schemas.microsoft.com/office/drawing/2014/main" id="{D7A61240-BDB2-D390-197D-882FF3E50A04}"/>
-              </a:ext>
-            </a:extLst>
-          </p:cNvPr>
-          <p:cNvPicPr>
-            <a:picLocks noChangeAspect="1"/>
-          </p:cNvPicPr>
-          <p:nvPr/>
-        </p:nvPicPr>
-        <p:blipFill>
-          <a:blip r:embed="rId5">
-            <a:extLst>
-              <a:ext uri="{28A0092B-C50C-407E-A947-70E740481C1C}">
-                <a14:useLocalDpi xmlns:a14="http://schemas.microsoft.com/office/drawing/2010/main" val="0"/>
-              </a:ext>
-            </a:extLst>
-          </a:blip>
-          <a:stretch>
-            <a:fillRect/>
-          </a:stretch>
-        </p:blipFill>
-        <p:spPr>
-          <a:xfrm>
-            <a:off x="7259665" y="3848769"/>
-            <a:ext cx="3939622" cy="2805212"/>
-          </a:xfrm>
-          <a:prstGeom prst="rect">
-            <a:avLst/>
-          </a:prstGeom>
-        </p:spPr>
-      </p:pic>
       <p:sp>
         <p:nvSpPr>
           <p:cNvPr id="12" name="TextBox 11">
@@ -7472,326 +7590,150 @@
           </a:p>
         </p:txBody>
       </p:sp>
-      <p:sp>
-        <p:nvSpPr>
-          <p:cNvPr id="13" name="TextBox 12">
-            <a:extLst>
-              <a:ext uri="{FF2B5EF4-FFF2-40B4-BE49-F238E27FC236}">
-                <a16:creationId xmlns:a16="http://schemas.microsoft.com/office/drawing/2014/main" id="{6556F6BB-A45E-62CF-24A7-0FCA4654C482}"/>
-              </a:ext>
-            </a:extLst>
-          </p:cNvPr>
-          <p:cNvSpPr txBox="1"/>
+      <p:pic>
+        <p:nvPicPr>
+          <p:cNvPr id="4" name="Picture 3" descr="Chart, line chart&#10;&#10;Description automatically generated">
+            <a:extLst>
+              <a:ext uri="{FF2B5EF4-FFF2-40B4-BE49-F238E27FC236}">
+                <a16:creationId xmlns:a16="http://schemas.microsoft.com/office/drawing/2014/main" id="{962DD83A-69A1-4967-5FA2-65F53382E559}"/>
+              </a:ext>
+            </a:extLst>
+          </p:cNvPr>
+          <p:cNvPicPr>
+            <a:picLocks noChangeAspect="1"/>
+          </p:cNvPicPr>
           <p:nvPr/>
-        </p:nvSpPr>
+        </p:nvPicPr>
+        <p:blipFill>
+          <a:blip r:embed="rId2">
+            <a:extLst>
+              <a:ext uri="{28A0092B-C50C-407E-A947-70E740481C1C}">
+                <a14:useLocalDpi xmlns:a14="http://schemas.microsoft.com/office/drawing/2010/main" val="0"/>
+              </a:ext>
+            </a:extLst>
+          </a:blip>
+          <a:stretch>
+            <a:fillRect/>
+          </a:stretch>
+        </p:blipFill>
         <p:spPr>
           <a:xfrm>
-            <a:off x="9128760" y="6611779"/>
-            <a:ext cx="768159" cy="246221"/>
+            <a:off x="1113756" y="386110"/>
+            <a:ext cx="3756461" cy="2537672"/>
           </a:xfrm>
           <a:prstGeom prst="rect">
             <a:avLst/>
           </a:prstGeom>
-          <a:noFill/>
         </p:spPr>
-        <p:txBody>
-          <a:bodyPr wrap="none" rtlCol="0">
-            <a:spAutoFit/>
-          </a:bodyPr>
-          <a:lstStyle/>
-          <a:p>
-            <a:r>
-              <a:rPr lang="en-US" sz="1000" dirty="0"/>
-              <a:t>Tempo </a:t>
-            </a:r>
-            <a:r>
-              <a:rPr lang="pt-PT" sz="1000" dirty="0"/>
-              <a:t>(s)</a:t>
-            </a:r>
-            <a:endParaRPr lang="en-US" sz="1000" dirty="0"/>
-          </a:p>
-        </p:txBody>
-      </p:sp>
-      <p:sp>
-        <p:nvSpPr>
-          <p:cNvPr id="14" name="TextBox 13">
-            <a:extLst>
-              <a:ext uri="{FF2B5EF4-FFF2-40B4-BE49-F238E27FC236}">
-                <a16:creationId xmlns:a16="http://schemas.microsoft.com/office/drawing/2014/main" id="{7A189C06-6C87-0B1A-8780-169E11039561}"/>
-              </a:ext>
-            </a:extLst>
-          </p:cNvPr>
-          <p:cNvSpPr txBox="1"/>
+      </p:pic>
+      <p:pic>
+        <p:nvPicPr>
+          <p:cNvPr id="8" name="Picture 7" descr="Chart, line chart&#10;&#10;Description automatically generated">
+            <a:extLst>
+              <a:ext uri="{FF2B5EF4-FFF2-40B4-BE49-F238E27FC236}">
+                <a16:creationId xmlns:a16="http://schemas.microsoft.com/office/drawing/2014/main" id="{242BEB19-DFC3-E50A-EBD3-4A8B5D1845AD}"/>
+              </a:ext>
+            </a:extLst>
+          </p:cNvPr>
+          <p:cNvPicPr>
+            <a:picLocks noChangeAspect="1"/>
+          </p:cNvPicPr>
           <p:nvPr/>
-        </p:nvSpPr>
+        </p:nvPicPr>
+        <p:blipFill>
+          <a:blip r:embed="rId3">
+            <a:extLst>
+              <a:ext uri="{28A0092B-C50C-407E-A947-70E740481C1C}">
+                <a14:useLocalDpi xmlns:a14="http://schemas.microsoft.com/office/drawing/2010/main" val="0"/>
+              </a:ext>
+            </a:extLst>
+          </a:blip>
+          <a:stretch>
+            <a:fillRect/>
+          </a:stretch>
+        </p:blipFill>
         <p:spPr>
           <a:xfrm>
-            <a:off x="8962062" y="3228499"/>
-            <a:ext cx="768159" cy="246221"/>
+            <a:off x="7286592" y="265948"/>
+            <a:ext cx="3791652" cy="2782325"/>
           </a:xfrm>
           <a:prstGeom prst="rect">
             <a:avLst/>
           </a:prstGeom>
-          <a:noFill/>
         </p:spPr>
-        <p:txBody>
-          <a:bodyPr wrap="none" rtlCol="0">
-            <a:spAutoFit/>
-          </a:bodyPr>
-          <a:lstStyle/>
-          <a:p>
-            <a:r>
-              <a:rPr lang="en-US" sz="1000" dirty="0"/>
-              <a:t>Tempo </a:t>
-            </a:r>
-            <a:r>
-              <a:rPr lang="pt-PT" sz="1000" dirty="0"/>
-              <a:t>(s)</a:t>
-            </a:r>
-            <a:endParaRPr lang="en-US" sz="1000" dirty="0"/>
-          </a:p>
-        </p:txBody>
-      </p:sp>
-      <p:sp>
-        <p:nvSpPr>
-          <p:cNvPr id="15" name="TextBox 14">
-            <a:extLst>
-              <a:ext uri="{FF2B5EF4-FFF2-40B4-BE49-F238E27FC236}">
-                <a16:creationId xmlns:a16="http://schemas.microsoft.com/office/drawing/2014/main" id="{87D02B33-392B-E212-2929-8EBCE8135340}"/>
-              </a:ext>
-            </a:extLst>
-          </p:cNvPr>
-          <p:cNvSpPr txBox="1"/>
+      </p:pic>
+      <p:pic>
+        <p:nvPicPr>
+          <p:cNvPr id="26" name="Picture 25" descr="Chart, line chart&#10;&#10;Description automatically generated">
+            <a:extLst>
+              <a:ext uri="{FF2B5EF4-FFF2-40B4-BE49-F238E27FC236}">
+                <a16:creationId xmlns:a16="http://schemas.microsoft.com/office/drawing/2014/main" id="{2BF47B89-749B-1430-11E1-B39A868BB8D1}"/>
+              </a:ext>
+            </a:extLst>
+          </p:cNvPr>
+          <p:cNvPicPr>
+            <a:picLocks noChangeAspect="1"/>
+          </p:cNvPicPr>
           <p:nvPr/>
-        </p:nvSpPr>
+        </p:nvPicPr>
+        <p:blipFill>
+          <a:blip r:embed="rId4">
+            <a:extLst>
+              <a:ext uri="{28A0092B-C50C-407E-A947-70E740481C1C}">
+                <a14:useLocalDpi xmlns:a14="http://schemas.microsoft.com/office/drawing/2010/main" val="0"/>
+              </a:ext>
+            </a:extLst>
+          </a:blip>
+          <a:stretch>
+            <a:fillRect/>
+          </a:stretch>
+        </p:blipFill>
         <p:spPr>
           <a:xfrm>
-            <a:off x="2491241" y="3166948"/>
-            <a:ext cx="768159" cy="246221"/>
+            <a:off x="1113756" y="3794447"/>
+            <a:ext cx="3961937" cy="2743826"/>
           </a:xfrm>
           <a:prstGeom prst="rect">
             <a:avLst/>
           </a:prstGeom>
-          <a:noFill/>
         </p:spPr>
-        <p:txBody>
-          <a:bodyPr wrap="none" rtlCol="0">
-            <a:spAutoFit/>
-          </a:bodyPr>
-          <a:lstStyle/>
-          <a:p>
-            <a:r>
-              <a:rPr lang="en-US" sz="1000" dirty="0"/>
-              <a:t>Tempo </a:t>
-            </a:r>
-            <a:r>
-              <a:rPr lang="pt-PT" sz="1000" dirty="0"/>
-              <a:t>(s)</a:t>
-            </a:r>
-            <a:endParaRPr lang="en-US" sz="1000" dirty="0"/>
-          </a:p>
-        </p:txBody>
-      </p:sp>
-      <p:sp>
-        <p:nvSpPr>
-          <p:cNvPr id="17" name="TextBox 16">
-            <a:extLst>
-              <a:ext uri="{FF2B5EF4-FFF2-40B4-BE49-F238E27FC236}">
-                <a16:creationId xmlns:a16="http://schemas.microsoft.com/office/drawing/2014/main" id="{C67DA086-03B1-11E5-EAF7-5C7892832088}"/>
-              </a:ext>
-            </a:extLst>
-          </p:cNvPr>
-          <p:cNvSpPr txBox="1"/>
+      </p:pic>
+      <p:pic>
+        <p:nvPicPr>
+          <p:cNvPr id="28" name="Picture 27" descr="Chart, line chart&#10;&#10;Description automatically generated">
+            <a:extLst>
+              <a:ext uri="{FF2B5EF4-FFF2-40B4-BE49-F238E27FC236}">
+                <a16:creationId xmlns:a16="http://schemas.microsoft.com/office/drawing/2014/main" id="{5DE28E9A-B7C0-B866-4C1C-EE50949918EF}"/>
+              </a:ext>
+            </a:extLst>
+          </p:cNvPr>
+          <p:cNvPicPr>
+            <a:picLocks noChangeAspect="1"/>
+          </p:cNvPicPr>
           <p:nvPr/>
-        </p:nvSpPr>
+        </p:nvPicPr>
+        <p:blipFill>
+          <a:blip r:embed="rId5">
+            <a:extLst>
+              <a:ext uri="{28A0092B-C50C-407E-A947-70E740481C1C}">
+                <a14:useLocalDpi xmlns:a14="http://schemas.microsoft.com/office/drawing/2010/main" val="0"/>
+              </a:ext>
+            </a:extLst>
+          </a:blip>
+          <a:stretch>
+            <a:fillRect/>
+          </a:stretch>
+        </p:blipFill>
         <p:spPr>
           <a:xfrm>
-            <a:off x="2607907" y="6592505"/>
-            <a:ext cx="768159" cy="246221"/>
+            <a:off x="7452581" y="3881669"/>
+            <a:ext cx="3673392" cy="2598414"/>
           </a:xfrm>
           <a:prstGeom prst="rect">
             <a:avLst/>
           </a:prstGeom>
-          <a:noFill/>
         </p:spPr>
-        <p:txBody>
-          <a:bodyPr wrap="none" rtlCol="0">
-            <a:spAutoFit/>
-          </a:bodyPr>
-          <a:lstStyle/>
-          <a:p>
-            <a:r>
-              <a:rPr lang="en-US" sz="1000" dirty="0"/>
-              <a:t>Tempo </a:t>
-            </a:r>
-            <a:r>
-              <a:rPr lang="pt-PT" sz="1000" dirty="0"/>
-              <a:t>(s)</a:t>
-            </a:r>
-            <a:endParaRPr lang="en-US" sz="1000" dirty="0"/>
-          </a:p>
-        </p:txBody>
-      </p:sp>
-      <p:sp>
-        <p:nvSpPr>
-          <p:cNvPr id="2" name="TextBox 1">
-            <a:extLst>
-              <a:ext uri="{FF2B5EF4-FFF2-40B4-BE49-F238E27FC236}">
-                <a16:creationId xmlns:a16="http://schemas.microsoft.com/office/drawing/2014/main" id="{19DEDB86-A745-9771-7053-C904A5558C6E}"/>
-              </a:ext>
-            </a:extLst>
-          </p:cNvPr>
-          <p:cNvSpPr txBox="1"/>
-          <p:nvPr/>
-        </p:nvSpPr>
-        <p:spPr>
-          <a:xfrm rot="16200000">
-            <a:off x="6607338" y="1707366"/>
-            <a:ext cx="803425" cy="276999"/>
-          </a:xfrm>
-          <a:prstGeom prst="rect">
-            <a:avLst/>
-          </a:prstGeom>
-          <a:noFill/>
-        </p:spPr>
-        <p:txBody>
-          <a:bodyPr wrap="none" rtlCol="0">
-            <a:spAutoFit/>
-          </a:bodyPr>
-          <a:lstStyle/>
-          <a:p>
-            <a:r>
-              <a:rPr lang="en-US" sz="1200" dirty="0" err="1"/>
-              <a:t>Nível</a:t>
-            </a:r>
-            <a:r>
-              <a:rPr lang="en-US" sz="1200" dirty="0"/>
-              <a:t> (m)</a:t>
-            </a:r>
-            <a:endParaRPr lang="pt-PT" sz="1200" dirty="0"/>
-          </a:p>
-        </p:txBody>
-      </p:sp>
-      <p:sp>
-        <p:nvSpPr>
-          <p:cNvPr id="19" name="TextBox 18">
-            <a:extLst>
-              <a:ext uri="{FF2B5EF4-FFF2-40B4-BE49-F238E27FC236}">
-                <a16:creationId xmlns:a16="http://schemas.microsoft.com/office/drawing/2014/main" id="{A6170E5F-A452-71BE-A434-F979AE138633}"/>
-              </a:ext>
-            </a:extLst>
-          </p:cNvPr>
-          <p:cNvSpPr txBox="1"/>
-          <p:nvPr/>
-        </p:nvSpPr>
-        <p:spPr>
-          <a:xfrm rot="16200000">
-            <a:off x="254611" y="5112874"/>
-            <a:ext cx="803425" cy="276999"/>
-          </a:xfrm>
-          <a:prstGeom prst="rect">
-            <a:avLst/>
-          </a:prstGeom>
-          <a:noFill/>
-        </p:spPr>
-        <p:txBody>
-          <a:bodyPr wrap="none" rtlCol="0">
-            <a:spAutoFit/>
-          </a:bodyPr>
-          <a:lstStyle/>
-          <a:p>
-            <a:r>
-              <a:rPr lang="en-US" sz="1200" dirty="0" err="1"/>
-              <a:t>Nível</a:t>
-            </a:r>
-            <a:r>
-              <a:rPr lang="en-US" sz="1200" dirty="0"/>
-              <a:t> (m)</a:t>
-            </a:r>
-            <a:endParaRPr lang="pt-PT" sz="1200" dirty="0"/>
-          </a:p>
-        </p:txBody>
-      </p:sp>
-      <p:sp>
-        <p:nvSpPr>
-          <p:cNvPr id="22" name="TextBox 21">
-            <a:extLst>
-              <a:ext uri="{FF2B5EF4-FFF2-40B4-BE49-F238E27FC236}">
-                <a16:creationId xmlns:a16="http://schemas.microsoft.com/office/drawing/2014/main" id="{85BBC23F-C06E-FECA-0829-177BE19806BA}"/>
-              </a:ext>
-            </a:extLst>
-          </p:cNvPr>
-          <p:cNvSpPr txBox="1"/>
-          <p:nvPr/>
-        </p:nvSpPr>
-        <p:spPr>
-          <a:xfrm rot="16200000">
-            <a:off x="299801" y="1703016"/>
-            <a:ext cx="803425" cy="276999"/>
-          </a:xfrm>
-          <a:prstGeom prst="rect">
-            <a:avLst/>
-          </a:prstGeom>
-          <a:noFill/>
-        </p:spPr>
-        <p:txBody>
-          <a:bodyPr wrap="none" rtlCol="0">
-            <a:spAutoFit/>
-          </a:bodyPr>
-          <a:lstStyle/>
-          <a:p>
-            <a:r>
-              <a:rPr lang="en-US" sz="1200" dirty="0" err="1"/>
-              <a:t>Nível</a:t>
-            </a:r>
-            <a:r>
-              <a:rPr lang="en-US" sz="1200" dirty="0"/>
-              <a:t> (m)</a:t>
-            </a:r>
-            <a:endParaRPr lang="pt-PT" sz="1200" dirty="0"/>
-          </a:p>
-        </p:txBody>
-      </p:sp>
-      <p:sp>
-        <p:nvSpPr>
-          <p:cNvPr id="24" name="TextBox 23">
-            <a:extLst>
-              <a:ext uri="{FF2B5EF4-FFF2-40B4-BE49-F238E27FC236}">
-                <a16:creationId xmlns:a16="http://schemas.microsoft.com/office/drawing/2014/main" id="{DCE779F4-348D-B860-E202-CD9EE470E2EB}"/>
-              </a:ext>
-            </a:extLst>
-          </p:cNvPr>
-          <p:cNvSpPr txBox="1"/>
-          <p:nvPr/>
-        </p:nvSpPr>
-        <p:spPr>
-          <a:xfrm rot="16200000">
-            <a:off x="6607338" y="5112874"/>
-            <a:ext cx="803425" cy="276999"/>
-          </a:xfrm>
-          <a:prstGeom prst="rect">
-            <a:avLst/>
-          </a:prstGeom>
-          <a:noFill/>
-        </p:spPr>
-        <p:txBody>
-          <a:bodyPr wrap="none" rtlCol="0">
-            <a:spAutoFit/>
-          </a:bodyPr>
-          <a:lstStyle/>
-          <a:p>
-            <a:r>
-              <a:rPr lang="en-US" sz="1200" dirty="0" err="1"/>
-              <a:t>Nível</a:t>
-            </a:r>
-            <a:r>
-              <a:rPr lang="en-US" sz="1200" dirty="0"/>
-              <a:t> (m)</a:t>
-            </a:r>
-            <a:endParaRPr lang="pt-PT" sz="1200" dirty="0"/>
-          </a:p>
-        </p:txBody>
-      </p:sp>
+      </p:pic>
     </p:spTree>
     <p:extLst>
       <p:ext uri="{BB962C8B-B14F-4D97-AF65-F5344CB8AC3E}">
